--- a/finals/FinalPresentationGithub.pptx
+++ b/finals/FinalPresentationGithub.pptx
@@ -26,100 +26,73 @@
   <p:defaultTextStyle>
     <a:lvl1pPr algn="ctr" defTabSz="584200">
       <a:defRPr sz="3600">
-        <a:solidFill>
-          <a:srgbClr val="FFFFFF"/>
-        </a:solidFill>
-        <a:latin typeface="+mn-lt"/>
-        <a:ea typeface="+mn-ea"/>
-        <a:cs typeface="+mn-cs"/>
+        <a:latin typeface="Helvetica Light"/>
+        <a:ea typeface="Helvetica Light"/>
+        <a:cs typeface="Helvetica Light"/>
         <a:sym typeface="Helvetica Light"/>
       </a:defRPr>
     </a:lvl1pPr>
-    <a:lvl2pPr indent="228600" algn="ctr" defTabSz="584200">
+    <a:lvl2pPr algn="ctr" defTabSz="584200">
       <a:defRPr sz="3600">
-        <a:solidFill>
-          <a:srgbClr val="FFFFFF"/>
-        </a:solidFill>
-        <a:latin typeface="+mn-lt"/>
-        <a:ea typeface="+mn-ea"/>
-        <a:cs typeface="+mn-cs"/>
+        <a:latin typeface="Helvetica Light"/>
+        <a:ea typeface="Helvetica Light"/>
+        <a:cs typeface="Helvetica Light"/>
         <a:sym typeface="Helvetica Light"/>
       </a:defRPr>
     </a:lvl2pPr>
-    <a:lvl3pPr indent="457200" algn="ctr" defTabSz="584200">
+    <a:lvl3pPr algn="ctr" defTabSz="584200">
       <a:defRPr sz="3600">
-        <a:solidFill>
-          <a:srgbClr val="FFFFFF"/>
-        </a:solidFill>
-        <a:latin typeface="+mn-lt"/>
-        <a:ea typeface="+mn-ea"/>
-        <a:cs typeface="+mn-cs"/>
+        <a:latin typeface="Helvetica Light"/>
+        <a:ea typeface="Helvetica Light"/>
+        <a:cs typeface="Helvetica Light"/>
         <a:sym typeface="Helvetica Light"/>
       </a:defRPr>
     </a:lvl3pPr>
-    <a:lvl4pPr indent="685800" algn="ctr" defTabSz="584200">
+    <a:lvl4pPr algn="ctr" defTabSz="584200">
       <a:defRPr sz="3600">
-        <a:solidFill>
-          <a:srgbClr val="FFFFFF"/>
-        </a:solidFill>
-        <a:latin typeface="+mn-lt"/>
-        <a:ea typeface="+mn-ea"/>
-        <a:cs typeface="+mn-cs"/>
+        <a:latin typeface="Helvetica Light"/>
+        <a:ea typeface="Helvetica Light"/>
+        <a:cs typeface="Helvetica Light"/>
         <a:sym typeface="Helvetica Light"/>
       </a:defRPr>
     </a:lvl4pPr>
-    <a:lvl5pPr indent="914400" algn="ctr" defTabSz="584200">
+    <a:lvl5pPr algn="ctr" defTabSz="584200">
       <a:defRPr sz="3600">
-        <a:solidFill>
-          <a:srgbClr val="FFFFFF"/>
-        </a:solidFill>
-        <a:latin typeface="+mn-lt"/>
-        <a:ea typeface="+mn-ea"/>
-        <a:cs typeface="+mn-cs"/>
+        <a:latin typeface="Helvetica Light"/>
+        <a:ea typeface="Helvetica Light"/>
+        <a:cs typeface="Helvetica Light"/>
         <a:sym typeface="Helvetica Light"/>
       </a:defRPr>
     </a:lvl5pPr>
-    <a:lvl6pPr indent="1143000" algn="ctr" defTabSz="584200">
+    <a:lvl6pPr algn="ctr" defTabSz="584200">
       <a:defRPr sz="3600">
-        <a:solidFill>
-          <a:srgbClr val="FFFFFF"/>
-        </a:solidFill>
-        <a:latin typeface="+mn-lt"/>
-        <a:ea typeface="+mn-ea"/>
-        <a:cs typeface="+mn-cs"/>
+        <a:latin typeface="Helvetica Light"/>
+        <a:ea typeface="Helvetica Light"/>
+        <a:cs typeface="Helvetica Light"/>
         <a:sym typeface="Helvetica Light"/>
       </a:defRPr>
     </a:lvl6pPr>
-    <a:lvl7pPr indent="1371600" algn="ctr" defTabSz="584200">
+    <a:lvl7pPr algn="ctr" defTabSz="584200">
       <a:defRPr sz="3600">
-        <a:solidFill>
-          <a:srgbClr val="FFFFFF"/>
-        </a:solidFill>
-        <a:latin typeface="+mn-lt"/>
-        <a:ea typeface="+mn-ea"/>
-        <a:cs typeface="+mn-cs"/>
+        <a:latin typeface="Helvetica Light"/>
+        <a:ea typeface="Helvetica Light"/>
+        <a:cs typeface="Helvetica Light"/>
         <a:sym typeface="Helvetica Light"/>
       </a:defRPr>
     </a:lvl7pPr>
-    <a:lvl8pPr indent="1600200" algn="ctr" defTabSz="584200">
+    <a:lvl8pPr algn="ctr" defTabSz="584200">
       <a:defRPr sz="3600">
-        <a:solidFill>
-          <a:srgbClr val="FFFFFF"/>
-        </a:solidFill>
-        <a:latin typeface="+mn-lt"/>
-        <a:ea typeface="+mn-ea"/>
-        <a:cs typeface="+mn-cs"/>
+        <a:latin typeface="Helvetica Light"/>
+        <a:ea typeface="Helvetica Light"/>
+        <a:cs typeface="Helvetica Light"/>
         <a:sym typeface="Helvetica Light"/>
       </a:defRPr>
     </a:lvl8pPr>
-    <a:lvl9pPr indent="1828800" algn="ctr" defTabSz="584200">
+    <a:lvl9pPr algn="ctr" defTabSz="584200">
       <a:defRPr sz="3600">
-        <a:solidFill>
-          <a:srgbClr val="FFFFFF"/>
-        </a:solidFill>
-        <a:latin typeface="+mn-lt"/>
-        <a:ea typeface="+mn-ea"/>
-        <a:cs typeface="+mn-cs"/>
+        <a:latin typeface="Helvetica Light"/>
+        <a:ea typeface="Helvetica Light"/>
+        <a:cs typeface="Helvetica Light"/>
         <a:sym typeface="Helvetica Light"/>
       </a:defRPr>
     </a:lvl9pPr>
@@ -207,9 +180,9 @@
         <a:spcPct val="125000"/>
       </a:lnSpc>
       <a:defRPr sz="2400">
-        <a:latin typeface="Avenir Roman"/>
-        <a:ea typeface="Avenir Roman"/>
-        <a:cs typeface="Avenir Roman"/>
+        <a:latin typeface="+mn-lt"/>
+        <a:ea typeface="+mn-ea"/>
+        <a:cs typeface="+mn-cs"/>
         <a:sym typeface="Avenir Roman"/>
       </a:defRPr>
     </a:lvl1pPr>
@@ -218,9 +191,9 @@
         <a:spcPct val="125000"/>
       </a:lnSpc>
       <a:defRPr sz="2400">
-        <a:latin typeface="Avenir Roman"/>
-        <a:ea typeface="Avenir Roman"/>
-        <a:cs typeface="Avenir Roman"/>
+        <a:latin typeface="+mn-lt"/>
+        <a:ea typeface="+mn-ea"/>
+        <a:cs typeface="+mn-cs"/>
         <a:sym typeface="Avenir Roman"/>
       </a:defRPr>
     </a:lvl2pPr>
@@ -229,9 +202,9 @@
         <a:spcPct val="125000"/>
       </a:lnSpc>
       <a:defRPr sz="2400">
-        <a:latin typeface="Avenir Roman"/>
-        <a:ea typeface="Avenir Roman"/>
-        <a:cs typeface="Avenir Roman"/>
+        <a:latin typeface="+mn-lt"/>
+        <a:ea typeface="+mn-ea"/>
+        <a:cs typeface="+mn-cs"/>
         <a:sym typeface="Avenir Roman"/>
       </a:defRPr>
     </a:lvl3pPr>
@@ -240,9 +213,9 @@
         <a:spcPct val="125000"/>
       </a:lnSpc>
       <a:defRPr sz="2400">
-        <a:latin typeface="Avenir Roman"/>
-        <a:ea typeface="Avenir Roman"/>
-        <a:cs typeface="Avenir Roman"/>
+        <a:latin typeface="+mn-lt"/>
+        <a:ea typeface="+mn-ea"/>
+        <a:cs typeface="+mn-cs"/>
         <a:sym typeface="Avenir Roman"/>
       </a:defRPr>
     </a:lvl4pPr>
@@ -251,9 +224,9 @@
         <a:spcPct val="125000"/>
       </a:lnSpc>
       <a:defRPr sz="2400">
-        <a:latin typeface="Avenir Roman"/>
-        <a:ea typeface="Avenir Roman"/>
-        <a:cs typeface="Avenir Roman"/>
+        <a:latin typeface="+mn-lt"/>
+        <a:ea typeface="+mn-ea"/>
+        <a:cs typeface="+mn-cs"/>
         <a:sym typeface="Avenir Roman"/>
       </a:defRPr>
     </a:lvl5pPr>
@@ -262,9 +235,9 @@
         <a:spcPct val="125000"/>
       </a:lnSpc>
       <a:defRPr sz="2400">
-        <a:latin typeface="Avenir Roman"/>
-        <a:ea typeface="Avenir Roman"/>
-        <a:cs typeface="Avenir Roman"/>
+        <a:latin typeface="+mn-lt"/>
+        <a:ea typeface="+mn-ea"/>
+        <a:cs typeface="+mn-cs"/>
         <a:sym typeface="Avenir Roman"/>
       </a:defRPr>
     </a:lvl6pPr>
@@ -273,9 +246,9 @@
         <a:spcPct val="125000"/>
       </a:lnSpc>
       <a:defRPr sz="2400">
-        <a:latin typeface="Avenir Roman"/>
-        <a:ea typeface="Avenir Roman"/>
-        <a:cs typeface="Avenir Roman"/>
+        <a:latin typeface="+mn-lt"/>
+        <a:ea typeface="+mn-ea"/>
+        <a:cs typeface="+mn-cs"/>
         <a:sym typeface="Avenir Roman"/>
       </a:defRPr>
     </a:lvl7pPr>
@@ -284,9 +257,9 @@
         <a:spcPct val="125000"/>
       </a:lnSpc>
       <a:defRPr sz="2400">
-        <a:latin typeface="Avenir Roman"/>
-        <a:ea typeface="Avenir Roman"/>
-        <a:cs typeface="Avenir Roman"/>
+        <a:latin typeface="+mn-lt"/>
+        <a:ea typeface="+mn-ea"/>
+        <a:cs typeface="+mn-cs"/>
         <a:sym typeface="Avenir Roman"/>
       </a:defRPr>
     </a:lvl8pPr>
@@ -295,9 +268,9 @@
         <a:spcPct val="125000"/>
       </a:lnSpc>
       <a:defRPr sz="2400">
-        <a:latin typeface="Avenir Roman"/>
-        <a:ea typeface="Avenir Roman"/>
-        <a:cs typeface="Avenir Roman"/>
+        <a:latin typeface="+mn-lt"/>
+        <a:ea typeface="+mn-ea"/>
+        <a:cs typeface="+mn-cs"/>
         <a:sym typeface="Avenir Roman"/>
       </a:defRPr>
     </a:lvl9pPr>
@@ -332,8 +305,8 @@
         </p:nvSpPr>
         <p:spPr>
           <a:xfrm>
-            <a:off x="1270000" y="1638300"/>
-            <a:ext cx="10464800" cy="3302000"/>
+            <a:off x="1270000" y="0"/>
+            <a:ext cx="10464800" cy="4940300"/>
           </a:xfrm>
           <a:prstGeom prst="rect">
             <a:avLst/>
@@ -372,7 +345,7 @@
         <p:spPr>
           <a:xfrm>
             <a:off x="1270000" y="5029200"/>
-            <a:ext cx="10464800" cy="1130300"/>
+            <a:ext cx="10464800" cy="3568700"/>
           </a:xfrm>
           <a:prstGeom prst="rect">
             <a:avLst/>
@@ -389,7 +362,7 @@
               <a:buNone/>
               <a:defRPr sz="3200"/>
             </a:lvl1pPr>
-            <a:lvl2pPr marL="0" indent="228600" algn="ctr">
+            <a:lvl2pPr marL="0" indent="0" algn="ctr">
               <a:spcBef>
                 <a:spcPts val="0"/>
               </a:spcBef>
@@ -397,7 +370,7 @@
               <a:buNone/>
               <a:defRPr sz="3200"/>
             </a:lvl2pPr>
-            <a:lvl3pPr marL="0" indent="457200" algn="ctr">
+            <a:lvl3pPr marL="0" indent="0" algn="ctr">
               <a:spcBef>
                 <a:spcPts val="0"/>
               </a:spcBef>
@@ -405,7 +378,7 @@
               <a:buNone/>
               <a:defRPr sz="3200"/>
             </a:lvl3pPr>
-            <a:lvl4pPr marL="0" indent="685800" algn="ctr">
+            <a:lvl4pPr marL="0" indent="0" algn="ctr">
               <a:spcBef>
                 <a:spcPts val="0"/>
               </a:spcBef>
@@ -413,7 +386,7 @@
               <a:buNone/>
               <a:defRPr sz="3200"/>
             </a:lvl4pPr>
-            <a:lvl5pPr marL="0" indent="914400" algn="ctr">
+            <a:lvl5pPr marL="0" indent="0" algn="ctr">
               <a:spcBef>
                 <a:spcPts val="0"/>
               </a:spcBef>
@@ -643,8 +616,8 @@
         </p:nvSpPr>
         <p:spPr>
           <a:xfrm>
-            <a:off x="1270000" y="6718300"/>
-            <a:ext cx="10464800" cy="1422400"/>
+            <a:off x="1270000" y="6667500"/>
+            <a:ext cx="10464800" cy="1524000"/>
           </a:xfrm>
           <a:prstGeom prst="rect">
             <a:avLst/>
@@ -683,7 +656,7 @@
         <p:spPr>
           <a:xfrm>
             <a:off x="1270000" y="8191500"/>
-            <a:ext cx="10464800" cy="1130300"/>
+            <a:ext cx="10464800" cy="1562100"/>
           </a:xfrm>
           <a:prstGeom prst="rect">
             <a:avLst/>
@@ -700,7 +673,7 @@
               <a:buNone/>
               <a:defRPr sz="3200"/>
             </a:lvl1pPr>
-            <a:lvl2pPr marL="0" indent="228600" algn="ctr">
+            <a:lvl2pPr marL="0" indent="0" algn="ctr">
               <a:spcBef>
                 <a:spcPts val="0"/>
               </a:spcBef>
@@ -708,7 +681,7 @@
               <a:buNone/>
               <a:defRPr sz="3200"/>
             </a:lvl2pPr>
-            <a:lvl3pPr marL="0" indent="457200" algn="ctr">
+            <a:lvl3pPr marL="0" indent="0" algn="ctr">
               <a:spcBef>
                 <a:spcPts val="0"/>
               </a:spcBef>
@@ -716,7 +689,7 @@
               <a:buNone/>
               <a:defRPr sz="3200"/>
             </a:lvl3pPr>
-            <a:lvl4pPr marL="0" indent="685800" algn="ctr">
+            <a:lvl4pPr marL="0" indent="0" algn="ctr">
               <a:spcBef>
                 <a:spcPts val="0"/>
               </a:spcBef>
@@ -724,7 +697,7 @@
               <a:buNone/>
               <a:defRPr sz="3200"/>
             </a:lvl4pPr>
-            <a:lvl5pPr marL="0" indent="914400" algn="ctr">
+            <a:lvl5pPr marL="0" indent="0" algn="ctr">
               <a:spcBef>
                 <a:spcPts val="0"/>
               </a:spcBef>
@@ -941,8 +914,8 @@
         </p:nvSpPr>
         <p:spPr>
           <a:xfrm>
-            <a:off x="952500" y="635000"/>
-            <a:ext cx="5334000" cy="3987800"/>
+            <a:off x="952500" y="0"/>
+            <a:ext cx="5334000" cy="4622800"/>
           </a:xfrm>
           <a:prstGeom prst="rect">
             <a:avLst/>
@@ -985,7 +958,7 @@
         <p:spPr>
           <a:xfrm>
             <a:off x="952500" y="4762500"/>
-            <a:ext cx="5334000" cy="4114800"/>
+            <a:ext cx="5334000" cy="4991100"/>
           </a:xfrm>
           <a:prstGeom prst="rect">
             <a:avLst/>
@@ -1002,7 +975,7 @@
               <a:buNone/>
               <a:defRPr sz="3200"/>
             </a:lvl1pPr>
-            <a:lvl2pPr marL="0" indent="228600" algn="ctr">
+            <a:lvl2pPr marL="0" indent="0" algn="ctr">
               <a:spcBef>
                 <a:spcPts val="0"/>
               </a:spcBef>
@@ -1010,7 +983,7 @@
               <a:buNone/>
               <a:defRPr sz="3200"/>
             </a:lvl2pPr>
-            <a:lvl3pPr marL="0" indent="457200" algn="ctr">
+            <a:lvl3pPr marL="0" indent="0" algn="ctr">
               <a:spcBef>
                 <a:spcPts val="0"/>
               </a:spcBef>
@@ -1018,7 +991,7 @@
               <a:buNone/>
               <a:defRPr sz="3200"/>
             </a:lvl3pPr>
-            <a:lvl4pPr marL="0" indent="685800" algn="ctr">
+            <a:lvl4pPr marL="0" indent="0" algn="ctr">
               <a:spcBef>
                 <a:spcPts val="0"/>
               </a:spcBef>
@@ -1026,7 +999,7 @@
               <a:buNone/>
               <a:defRPr sz="3200"/>
             </a:lvl4pPr>
-            <a:lvl5pPr marL="0" indent="914400" algn="ctr">
+            <a:lvl5pPr marL="0" indent="0" algn="ctr">
               <a:spcBef>
                 <a:spcPts val="0"/>
               </a:spcBef>
@@ -1177,6 +1150,10 @@
           </p:nvPr>
         </p:nvSpPr>
         <p:spPr>
+          <a:xfrm>
+            <a:off x="952500" y="0"/>
+            <a:ext cx="11099800" cy="2667000"/>
+          </a:xfrm>
           <a:prstGeom prst="rect">
             <a:avLst/>
           </a:prstGeom>
@@ -1458,8 +1435,8 @@
         </p:nvSpPr>
         <p:spPr>
           <a:xfrm>
-            <a:off x="952500" y="2590800"/>
-            <a:ext cx="5334000" cy="6286500"/>
+            <a:off x="952500" y="2452955"/>
+            <a:ext cx="5334000" cy="6562190"/>
           </a:xfrm>
           <a:prstGeom prst="rect">
             <a:avLst/>
@@ -1828,8 +1805,8 @@
         </p:nvSpPr>
         <p:spPr>
           <a:xfrm>
-            <a:off x="952500" y="254000"/>
-            <a:ext cx="11099800" cy="2159000"/>
+            <a:off x="952500" y="214044"/>
+            <a:ext cx="11099800" cy="2238912"/>
           </a:xfrm>
           <a:prstGeom prst="rect">
             <a:avLst/>
@@ -1877,8 +1854,8 @@
         </p:nvSpPr>
         <p:spPr>
           <a:xfrm>
-            <a:off x="952500" y="2590800"/>
-            <a:ext cx="11099800" cy="6286500"/>
+            <a:off x="952500" y="2452955"/>
+            <a:ext cx="11099800" cy="6562190"/>
           </a:xfrm>
           <a:prstGeom prst="rect">
             <a:avLst/>
@@ -2006,7 +1983,7 @@
       </p:sp>
     </p:spTree>
   </p:cSld>
-  <p:clrMap bg1="dk1" tx1="lt1" bg2="dk2" tx2="lt2" accent1="accent1" accent2="accent2" accent3="accent3" accent4="accent4" accent5="accent5" accent6="accent6" hlink="hlink" folHlink="folHlink"/>
+  <p:clrMap bg1="lt1" tx1="dk1" bg2="lt2" tx2="dk2" accent1="accent1" accent2="accent2" accent3="accent3" accent4="accent4" accent5="accent5" accent6="accent6" hlink="hlink" folHlink="folHlink"/>
   <p:sldLayoutIdLst>
     <p:sldLayoutId id="2147483649" r:id="rId2"/>
     <p:sldLayoutId id="2147483650" r:id="rId3"/>
@@ -2029,97 +2006,97 @@
           <a:solidFill>
             <a:srgbClr val="FFFFFF"/>
           </a:solidFill>
-          <a:latin typeface="+mn-lt"/>
-          <a:ea typeface="+mn-ea"/>
-          <a:cs typeface="+mn-cs"/>
+          <a:latin typeface="Helvetica Light"/>
+          <a:ea typeface="Helvetica Light"/>
+          <a:cs typeface="Helvetica Light"/>
           <a:sym typeface="Helvetica Light"/>
         </a:defRPr>
       </a:lvl1pPr>
-      <a:lvl2pPr indent="228600" algn="ctr" defTabSz="584200">
+      <a:lvl2pPr algn="ctr" defTabSz="584200">
         <a:defRPr sz="8000">
           <a:solidFill>
             <a:srgbClr val="FFFFFF"/>
           </a:solidFill>
-          <a:latin typeface="+mn-lt"/>
-          <a:ea typeface="+mn-ea"/>
-          <a:cs typeface="+mn-cs"/>
+          <a:latin typeface="Helvetica Light"/>
+          <a:ea typeface="Helvetica Light"/>
+          <a:cs typeface="Helvetica Light"/>
           <a:sym typeface="Helvetica Light"/>
         </a:defRPr>
       </a:lvl2pPr>
-      <a:lvl3pPr indent="457200" algn="ctr" defTabSz="584200">
+      <a:lvl3pPr algn="ctr" defTabSz="584200">
         <a:defRPr sz="8000">
           <a:solidFill>
             <a:srgbClr val="FFFFFF"/>
           </a:solidFill>
-          <a:latin typeface="+mn-lt"/>
-          <a:ea typeface="+mn-ea"/>
-          <a:cs typeface="+mn-cs"/>
+          <a:latin typeface="Helvetica Light"/>
+          <a:ea typeface="Helvetica Light"/>
+          <a:cs typeface="Helvetica Light"/>
           <a:sym typeface="Helvetica Light"/>
         </a:defRPr>
       </a:lvl3pPr>
-      <a:lvl4pPr indent="685800" algn="ctr" defTabSz="584200">
+      <a:lvl4pPr algn="ctr" defTabSz="584200">
         <a:defRPr sz="8000">
           <a:solidFill>
             <a:srgbClr val="FFFFFF"/>
           </a:solidFill>
-          <a:latin typeface="+mn-lt"/>
-          <a:ea typeface="+mn-ea"/>
-          <a:cs typeface="+mn-cs"/>
+          <a:latin typeface="Helvetica Light"/>
+          <a:ea typeface="Helvetica Light"/>
+          <a:cs typeface="Helvetica Light"/>
           <a:sym typeface="Helvetica Light"/>
         </a:defRPr>
       </a:lvl4pPr>
-      <a:lvl5pPr indent="914400" algn="ctr" defTabSz="584200">
+      <a:lvl5pPr algn="ctr" defTabSz="584200">
         <a:defRPr sz="8000">
           <a:solidFill>
             <a:srgbClr val="FFFFFF"/>
           </a:solidFill>
-          <a:latin typeface="+mn-lt"/>
-          <a:ea typeface="+mn-ea"/>
-          <a:cs typeface="+mn-cs"/>
+          <a:latin typeface="Helvetica Light"/>
+          <a:ea typeface="Helvetica Light"/>
+          <a:cs typeface="Helvetica Light"/>
           <a:sym typeface="Helvetica Light"/>
         </a:defRPr>
       </a:lvl5pPr>
-      <a:lvl6pPr indent="1143000" algn="ctr" defTabSz="584200">
+      <a:lvl6pPr algn="ctr" defTabSz="584200">
         <a:defRPr sz="8000">
           <a:solidFill>
             <a:srgbClr val="FFFFFF"/>
           </a:solidFill>
-          <a:latin typeface="+mn-lt"/>
-          <a:ea typeface="+mn-ea"/>
-          <a:cs typeface="+mn-cs"/>
+          <a:latin typeface="Helvetica Light"/>
+          <a:ea typeface="Helvetica Light"/>
+          <a:cs typeface="Helvetica Light"/>
           <a:sym typeface="Helvetica Light"/>
         </a:defRPr>
       </a:lvl6pPr>
-      <a:lvl7pPr indent="1371600" algn="ctr" defTabSz="584200">
+      <a:lvl7pPr algn="ctr" defTabSz="584200">
         <a:defRPr sz="8000">
           <a:solidFill>
             <a:srgbClr val="FFFFFF"/>
           </a:solidFill>
-          <a:latin typeface="+mn-lt"/>
-          <a:ea typeface="+mn-ea"/>
-          <a:cs typeface="+mn-cs"/>
+          <a:latin typeface="Helvetica Light"/>
+          <a:ea typeface="Helvetica Light"/>
+          <a:cs typeface="Helvetica Light"/>
           <a:sym typeface="Helvetica Light"/>
         </a:defRPr>
       </a:lvl7pPr>
-      <a:lvl8pPr indent="1600200" algn="ctr" defTabSz="584200">
+      <a:lvl8pPr algn="ctr" defTabSz="584200">
         <a:defRPr sz="8000">
           <a:solidFill>
             <a:srgbClr val="FFFFFF"/>
           </a:solidFill>
-          <a:latin typeface="+mn-lt"/>
-          <a:ea typeface="+mn-ea"/>
-          <a:cs typeface="+mn-cs"/>
+          <a:latin typeface="Helvetica Light"/>
+          <a:ea typeface="Helvetica Light"/>
+          <a:cs typeface="Helvetica Light"/>
           <a:sym typeface="Helvetica Light"/>
         </a:defRPr>
       </a:lvl8pPr>
-      <a:lvl9pPr indent="1828800" algn="ctr" defTabSz="584200">
+      <a:lvl9pPr algn="ctr" defTabSz="584200">
         <a:defRPr sz="8000">
           <a:solidFill>
             <a:srgbClr val="FFFFFF"/>
           </a:solidFill>
-          <a:latin typeface="+mn-lt"/>
-          <a:ea typeface="+mn-ea"/>
-          <a:cs typeface="+mn-cs"/>
+          <a:latin typeface="Helvetica Light"/>
+          <a:ea typeface="Helvetica Light"/>
+          <a:cs typeface="Helvetica Light"/>
           <a:sym typeface="Helvetica Light"/>
         </a:defRPr>
       </a:lvl9pPr>
@@ -2135,9 +2112,9 @@
           <a:solidFill>
             <a:srgbClr val="FFFFFF"/>
           </a:solidFill>
-          <a:latin typeface="+mn-lt"/>
-          <a:ea typeface="+mn-ea"/>
-          <a:cs typeface="+mn-cs"/>
+          <a:latin typeface="Helvetica Light"/>
+          <a:ea typeface="Helvetica Light"/>
+          <a:cs typeface="Helvetica Light"/>
           <a:sym typeface="Helvetica Light"/>
         </a:defRPr>
       </a:lvl1pPr>
@@ -2151,9 +2128,9 @@
           <a:solidFill>
             <a:srgbClr val="FFFFFF"/>
           </a:solidFill>
-          <a:latin typeface="+mn-lt"/>
-          <a:ea typeface="+mn-ea"/>
-          <a:cs typeface="+mn-cs"/>
+          <a:latin typeface="Helvetica Light"/>
+          <a:ea typeface="Helvetica Light"/>
+          <a:cs typeface="Helvetica Light"/>
           <a:sym typeface="Helvetica Light"/>
         </a:defRPr>
       </a:lvl2pPr>
@@ -2167,9 +2144,9 @@
           <a:solidFill>
             <a:srgbClr val="FFFFFF"/>
           </a:solidFill>
-          <a:latin typeface="+mn-lt"/>
-          <a:ea typeface="+mn-ea"/>
-          <a:cs typeface="+mn-cs"/>
+          <a:latin typeface="Helvetica Light"/>
+          <a:ea typeface="Helvetica Light"/>
+          <a:cs typeface="Helvetica Light"/>
           <a:sym typeface="Helvetica Light"/>
         </a:defRPr>
       </a:lvl3pPr>
@@ -2183,9 +2160,9 @@
           <a:solidFill>
             <a:srgbClr val="FFFFFF"/>
           </a:solidFill>
-          <a:latin typeface="+mn-lt"/>
-          <a:ea typeface="+mn-ea"/>
-          <a:cs typeface="+mn-cs"/>
+          <a:latin typeface="Helvetica Light"/>
+          <a:ea typeface="Helvetica Light"/>
+          <a:cs typeface="Helvetica Light"/>
           <a:sym typeface="Helvetica Light"/>
         </a:defRPr>
       </a:lvl4pPr>
@@ -2199,9 +2176,9 @@
           <a:solidFill>
             <a:srgbClr val="FFFFFF"/>
           </a:solidFill>
-          <a:latin typeface="+mn-lt"/>
-          <a:ea typeface="+mn-ea"/>
-          <a:cs typeface="+mn-cs"/>
+          <a:latin typeface="Helvetica Light"/>
+          <a:ea typeface="Helvetica Light"/>
+          <a:cs typeface="Helvetica Light"/>
           <a:sym typeface="Helvetica Light"/>
         </a:defRPr>
       </a:lvl5pPr>
@@ -2215,9 +2192,9 @@
           <a:solidFill>
             <a:srgbClr val="FFFFFF"/>
           </a:solidFill>
-          <a:latin typeface="+mn-lt"/>
-          <a:ea typeface="+mn-ea"/>
-          <a:cs typeface="+mn-cs"/>
+          <a:latin typeface="Helvetica Light"/>
+          <a:ea typeface="Helvetica Light"/>
+          <a:cs typeface="Helvetica Light"/>
           <a:sym typeface="Helvetica Light"/>
         </a:defRPr>
       </a:lvl6pPr>
@@ -2231,9 +2208,9 @@
           <a:solidFill>
             <a:srgbClr val="FFFFFF"/>
           </a:solidFill>
-          <a:latin typeface="+mn-lt"/>
-          <a:ea typeface="+mn-ea"/>
-          <a:cs typeface="+mn-cs"/>
+          <a:latin typeface="Helvetica Light"/>
+          <a:ea typeface="Helvetica Light"/>
+          <a:cs typeface="Helvetica Light"/>
           <a:sym typeface="Helvetica Light"/>
         </a:defRPr>
       </a:lvl7pPr>
@@ -2247,9 +2224,9 @@
           <a:solidFill>
             <a:srgbClr val="FFFFFF"/>
           </a:solidFill>
-          <a:latin typeface="+mn-lt"/>
-          <a:ea typeface="+mn-ea"/>
-          <a:cs typeface="+mn-cs"/>
+          <a:latin typeface="Helvetica Light"/>
+          <a:ea typeface="Helvetica Light"/>
+          <a:cs typeface="Helvetica Light"/>
           <a:sym typeface="Helvetica Light"/>
         </a:defRPr>
       </a:lvl8pPr>
@@ -2263,16 +2240,16 @@
           <a:solidFill>
             <a:srgbClr val="FFFFFF"/>
           </a:solidFill>
-          <a:latin typeface="+mn-lt"/>
-          <a:ea typeface="+mn-ea"/>
-          <a:cs typeface="+mn-cs"/>
+          <a:latin typeface="Helvetica Light"/>
+          <a:ea typeface="Helvetica Light"/>
+          <a:cs typeface="Helvetica Light"/>
           <a:sym typeface="Helvetica Light"/>
         </a:defRPr>
       </a:lvl9pPr>
     </p:bodyStyle>
     <p:otherStyle>
-      <a:lvl1pPr algn="ctr" defTabSz="584200">
-        <a:defRPr>
+      <a:lvl1pPr algn="r" defTabSz="584200">
+        <a:defRPr sz="1200">
           <a:solidFill>
             <a:schemeClr val="tx1"/>
           </a:solidFill>
@@ -2282,8 +2259,8 @@
           <a:sym typeface="Helvetica Light"/>
         </a:defRPr>
       </a:lvl1pPr>
-      <a:lvl2pPr indent="228600" algn="ctr" defTabSz="584200">
-        <a:defRPr>
+      <a:lvl2pPr algn="r" defTabSz="584200">
+        <a:defRPr sz="1200">
           <a:solidFill>
             <a:schemeClr val="tx1"/>
           </a:solidFill>
@@ -2293,8 +2270,8 @@
           <a:sym typeface="Helvetica Light"/>
         </a:defRPr>
       </a:lvl2pPr>
-      <a:lvl3pPr indent="457200" algn="ctr" defTabSz="584200">
-        <a:defRPr>
+      <a:lvl3pPr algn="r" defTabSz="584200">
+        <a:defRPr sz="1200">
           <a:solidFill>
             <a:schemeClr val="tx1"/>
           </a:solidFill>
@@ -2304,8 +2281,8 @@
           <a:sym typeface="Helvetica Light"/>
         </a:defRPr>
       </a:lvl3pPr>
-      <a:lvl4pPr indent="685800" algn="ctr" defTabSz="584200">
-        <a:defRPr>
+      <a:lvl4pPr algn="r" defTabSz="584200">
+        <a:defRPr sz="1200">
           <a:solidFill>
             <a:schemeClr val="tx1"/>
           </a:solidFill>
@@ -2315,8 +2292,8 @@
           <a:sym typeface="Helvetica Light"/>
         </a:defRPr>
       </a:lvl4pPr>
-      <a:lvl5pPr indent="914400" algn="ctr" defTabSz="584200">
-        <a:defRPr>
+      <a:lvl5pPr algn="r" defTabSz="584200">
+        <a:defRPr sz="1200">
           <a:solidFill>
             <a:schemeClr val="tx1"/>
           </a:solidFill>
@@ -2326,8 +2303,8 @@
           <a:sym typeface="Helvetica Light"/>
         </a:defRPr>
       </a:lvl5pPr>
-      <a:lvl6pPr indent="1143000" algn="ctr" defTabSz="584200">
-        <a:defRPr>
+      <a:lvl6pPr algn="r" defTabSz="584200">
+        <a:defRPr sz="1200">
           <a:solidFill>
             <a:schemeClr val="tx1"/>
           </a:solidFill>
@@ -2337,8 +2314,8 @@
           <a:sym typeface="Helvetica Light"/>
         </a:defRPr>
       </a:lvl6pPr>
-      <a:lvl7pPr indent="1371600" algn="ctr" defTabSz="584200">
-        <a:defRPr>
+      <a:lvl7pPr algn="r" defTabSz="584200">
+        <a:defRPr sz="1200">
           <a:solidFill>
             <a:schemeClr val="tx1"/>
           </a:solidFill>
@@ -2348,8 +2325,8 @@
           <a:sym typeface="Helvetica Light"/>
         </a:defRPr>
       </a:lvl7pPr>
-      <a:lvl8pPr indent="1600200" algn="ctr" defTabSz="584200">
-        <a:defRPr>
+      <a:lvl8pPr algn="r" defTabSz="584200">
+        <a:defRPr sz="1200">
           <a:solidFill>
             <a:schemeClr val="tx1"/>
           </a:solidFill>
@@ -2359,8 +2336,8 @@
           <a:sym typeface="Helvetica Light"/>
         </a:defRPr>
       </a:lvl8pPr>
-      <a:lvl9pPr indent="1828800" algn="ctr" defTabSz="584200">
-        <a:defRPr>
+      <a:lvl9pPr algn="r" defTabSz="584200">
+        <a:defRPr sz="1200">
           <a:solidFill>
             <a:schemeClr val="tx1"/>
           </a:solidFill>
@@ -2401,6 +2378,10 @@
           </p:nvPr>
         </p:nvSpPr>
         <p:spPr>
+          <a:xfrm>
+            <a:off x="1270000" y="1638300"/>
+            <a:ext cx="10464800" cy="3302000"/>
+          </a:xfrm>
           <a:prstGeom prst="rect">
             <a:avLst/>
           </a:prstGeom>
@@ -2437,8 +2418,8 @@
         </p:nvSpPr>
         <p:spPr>
           <a:xfrm>
-            <a:off x="1270000" y="5029200"/>
-            <a:ext cx="10464800" cy="1998613"/>
+            <a:off x="1270000" y="5029199"/>
+            <a:ext cx="10464800" cy="1998615"/>
           </a:xfrm>
           <a:prstGeom prst="rect">
             <a:avLst/>
@@ -2456,18 +2437,14 @@
               </a:defRPr>
             </a:pPr>
             <a:r>
-              <a:rPr sz="3168">
+              <a:rPr sz="3100">
                 <a:solidFill>
                   <a:srgbClr val="FFFFFF"/>
                 </a:solidFill>
               </a:rPr>
               <a:t>Submitted By:</a:t>
             </a:r>
-            <a:endParaRPr sz="3168">
-              <a:solidFill>
-                <a:srgbClr val="FFFFFF"/>
-              </a:solidFill>
-            </a:endParaRPr>
+            <a:endParaRPr sz="3100"/>
           </a:p>
           <a:p>
             <a:pPr lvl="0" defTabSz="578358">
@@ -2478,18 +2455,14 @@
               </a:defRPr>
             </a:pPr>
             <a:r>
-              <a:rPr sz="3168">
+              <a:rPr sz="3100">
                 <a:solidFill>
                   <a:srgbClr val="FFFFFF"/>
                 </a:solidFill>
               </a:rPr>
               <a:t>Sandeep</a:t>
             </a:r>
-            <a:endParaRPr sz="3168">
-              <a:solidFill>
-                <a:srgbClr val="FFFFFF"/>
-              </a:solidFill>
-            </a:endParaRPr>
+            <a:endParaRPr sz="3100"/>
           </a:p>
           <a:p>
             <a:pPr lvl="0" defTabSz="578358">
@@ -2500,18 +2473,14 @@
               </a:defRPr>
             </a:pPr>
             <a:r>
-              <a:rPr sz="3168">
+              <a:rPr sz="3100">
                 <a:solidFill>
                   <a:srgbClr val="FFFFFF"/>
                 </a:solidFill>
               </a:rPr>
               <a:t>Mubeen</a:t>
             </a:r>
-            <a:endParaRPr sz="3168">
-              <a:solidFill>
-                <a:srgbClr val="FFFFFF"/>
-              </a:solidFill>
-            </a:endParaRPr>
+            <a:endParaRPr sz="3100"/>
           </a:p>
           <a:p>
             <a:pPr lvl="0" defTabSz="578358">
@@ -2522,7 +2491,7 @@
               </a:defRPr>
             </a:pPr>
             <a:r>
-              <a:rPr sz="3168">
+              <a:rPr sz="3100">
                 <a:solidFill>
                   <a:srgbClr val="FFFFFF"/>
                 </a:solidFill>
@@ -2560,13 +2529,17 @@
       </p:grpSpPr>
       <p:sp>
         <p:nvSpPr>
-          <p:cNvPr id="63" name="Shape 63"/>
+          <p:cNvPr id="64" name="Shape 64"/>
           <p:cNvSpPr/>
           <p:nvPr>
             <p:ph type="title"/>
           </p:nvPr>
         </p:nvSpPr>
         <p:spPr>
+          <a:xfrm>
+            <a:off x="952500" y="254000"/>
+            <a:ext cx="11099800" cy="2159000"/>
+          </a:xfrm>
           <a:prstGeom prst="rect">
             <a:avLst/>
           </a:prstGeom>
@@ -2595,20 +2568,30 @@
       </p:sp>
       <p:sp>
         <p:nvSpPr>
-          <p:cNvPr id="64" name="Shape 64"/>
+          <p:cNvPr id="65" name="Shape 65"/>
           <p:cNvSpPr/>
           <p:nvPr>
             <p:ph type="body" idx="1"/>
           </p:nvPr>
         </p:nvSpPr>
         <p:spPr>
+          <a:xfrm>
+            <a:off x="952500" y="2590800"/>
+            <a:ext cx="11099800" cy="6286500"/>
+          </a:xfrm>
           <a:prstGeom prst="rect">
             <a:avLst/>
           </a:prstGeom>
         </p:spPr>
         <p:txBody>
           <a:bodyPr/>
-          <a:lstStyle/>
+          <a:lstStyle>
+            <a:lvl1pPr marL="938388" indent="-938388">
+              <a:buClr>
+                <a:srgbClr val="FFFFFF"/>
+              </a:buClr>
+            </a:lvl1pPr>
+          </a:lstStyle>
           <a:p>
             <a:pPr lvl="0">
               <a:defRPr sz="1800">
@@ -2656,13 +2639,17 @@
       </p:grpSpPr>
       <p:sp>
         <p:nvSpPr>
-          <p:cNvPr id="66" name="Shape 66"/>
+          <p:cNvPr id="67" name="Shape 67"/>
           <p:cNvSpPr/>
           <p:nvPr>
             <p:ph type="title"/>
           </p:nvPr>
         </p:nvSpPr>
         <p:spPr>
+          <a:xfrm>
+            <a:off x="952500" y="254000"/>
+            <a:ext cx="11099800" cy="2159000"/>
+          </a:xfrm>
           <a:prstGeom prst="rect">
             <a:avLst/>
           </a:prstGeom>
@@ -2691,7 +2678,7 @@
       </p:sp>
       <p:pic>
         <p:nvPicPr>
-          <p:cNvPr id="67" name="Screen Shot 2015-08-21 at 11.28.12 PM.png"/>
+          <p:cNvPr id="68" name="image7.png"/>
           <p:cNvPicPr/>
           <p:nvPr/>
         </p:nvPicPr>
@@ -2705,8 +2692,8 @@
         </p:blipFill>
         <p:spPr>
           <a:xfrm>
-            <a:off x="2268811" y="2785072"/>
-            <a:ext cx="7077490" cy="5897956"/>
+            <a:off x="2268810" y="2785072"/>
+            <a:ext cx="7077491" cy="5897956"/>
           </a:xfrm>
           <a:prstGeom prst="rect">
             <a:avLst/>
@@ -2744,13 +2731,17 @@
       </p:grpSpPr>
       <p:sp>
         <p:nvSpPr>
-          <p:cNvPr id="69" name="Shape 69"/>
+          <p:cNvPr id="70" name="Shape 70"/>
           <p:cNvSpPr/>
           <p:nvPr>
             <p:ph type="title"/>
           </p:nvPr>
         </p:nvSpPr>
         <p:spPr>
+          <a:xfrm>
+            <a:off x="952500" y="254000"/>
+            <a:ext cx="11099800" cy="2159000"/>
+          </a:xfrm>
           <a:prstGeom prst="rect">
             <a:avLst/>
           </a:prstGeom>
@@ -2779,20 +2770,30 @@
       </p:sp>
       <p:sp>
         <p:nvSpPr>
-          <p:cNvPr id="70" name="Shape 70"/>
+          <p:cNvPr id="71" name="Shape 71"/>
           <p:cNvSpPr/>
           <p:nvPr>
             <p:ph type="body" idx="1"/>
           </p:nvPr>
         </p:nvSpPr>
         <p:spPr>
+          <a:xfrm>
+            <a:off x="952500" y="2590800"/>
+            <a:ext cx="11099800" cy="6286500"/>
+          </a:xfrm>
           <a:prstGeom prst="rect">
             <a:avLst/>
           </a:prstGeom>
         </p:spPr>
         <p:txBody>
           <a:bodyPr anchor="t"/>
-          <a:lstStyle/>
+          <a:lstStyle>
+            <a:lvl1pPr marL="938388" indent="-938388">
+              <a:buClr>
+                <a:srgbClr val="FFFFFF"/>
+              </a:buClr>
+            </a:lvl1pPr>
+          </a:lstStyle>
           <a:p>
             <a:pPr lvl="0">
               <a:defRPr sz="1800">
@@ -2812,290 +2813,568 @@
           </a:p>
         </p:txBody>
       </p:sp>
-      <p:sp>
-        <p:nvSpPr>
-          <p:cNvPr id="71" name="Shape 71"/>
-          <p:cNvSpPr/>
+      <p:grpSp>
+        <p:nvGrpSpPr>
+          <p:cNvPr id="74" name="Group 74"/>
+          <p:cNvGrpSpPr/>
           <p:nvPr/>
-        </p:nvSpPr>
-        <p:spPr>
+        </p:nvGrpSpPr>
+        <p:grpSpPr>
           <a:xfrm>
-            <a:off x="165100" y="5099050"/>
-            <a:ext cx="1459260" cy="1270000"/>
+            <a:off x="165099" y="5099050"/>
+            <a:ext cx="1459262" cy="1270000"/>
+            <a:chOff x="0" y="0"/>
+            <a:chExt cx="1459260" cy="1270000"/>
           </a:xfrm>
-          <a:prstGeom prst="rect">
-            <a:avLst/>
-          </a:prstGeom>
-          <a:blipFill>
-            <a:blip r:embed="rId2"/>
-          </a:blipFill>
-          <a:ln w="12700">
-            <a:miter lim="400000"/>
-          </a:ln>
-          <a:extLst>
-            <a:ext uri="{C572A759-6A51-4108-AA02-DFA0A04FC94B}">
-              <ma14:wrappingTextBoxFlag xmlns:ma14="http://schemas.microsoft.com/office/mac/drawingml/2011/main" val="1"/>
-            </a:ext>
-          </a:extLst>
-        </p:spPr>
-        <p:txBody>
-          <a:bodyPr lIns="50800" tIns="50800" rIns="50800" bIns="50800" anchor="ctr"/>
-          <a:lstStyle>
-            <a:lvl1pPr>
-              <a:defRPr sz="2600"/>
-            </a:lvl1pPr>
-          </a:lstStyle>
-          <a:p>
-            <a:pPr lvl="0">
-              <a:defRPr sz="1800">
-                <a:solidFill>
-                  <a:srgbClr val="000000"/>
-                </a:solidFill>
-              </a:defRPr>
-            </a:pPr>
-            <a:r>
-              <a:rPr sz="2600">
-                <a:solidFill>
-                  <a:srgbClr val="FFFFFF"/>
-                </a:solidFill>
-              </a:rPr>
-              <a:t>JavaApp</a:t>
-            </a:r>
-          </a:p>
-        </p:txBody>
-      </p:sp>
-      <p:sp>
-        <p:nvSpPr>
-          <p:cNvPr id="72" name="Shape 72"/>
-          <p:cNvSpPr/>
+        </p:grpSpPr>
+        <p:sp>
+          <p:nvSpPr>
+            <p:cNvPr id="72" name="Shape 72"/>
+            <p:cNvSpPr/>
+            <p:nvPr/>
+          </p:nvSpPr>
+          <p:spPr>
+            <a:xfrm>
+              <a:off x="-1" y="0"/>
+              <a:ext cx="1459262" cy="1270000"/>
+            </a:xfrm>
+            <a:prstGeom prst="rect">
+              <a:avLst/>
+            </a:prstGeom>
+            <a:blipFill rotWithShape="1">
+              <a:blip r:embed="rId2"/>
+              <a:srcRect l="0" t="0" r="0" b="0"/>
+              <a:tile tx="0" ty="0" sx="100000" sy="100000" flip="none" algn="tl"/>
+            </a:blipFill>
+            <a:ln w="12700" cap="flat">
+              <a:noFill/>
+              <a:miter lim="400000"/>
+            </a:ln>
+            <a:effectLst/>
+          </p:spPr>
+          <p:txBody>
+            <a:bodyPr wrap="square" lIns="0" tIns="0" rIns="0" bIns="0" numCol="1" anchor="ctr">
+              <a:noAutofit/>
+            </a:bodyPr>
+            <a:lstStyle/>
+            <a:p>
+              <a:pPr lvl="0">
+                <a:defRPr sz="1800"/>
+              </a:pPr>
+            </a:p>
+          </p:txBody>
+        </p:sp>
+        <p:sp>
+          <p:nvSpPr>
+            <p:cNvPr id="73" name="Shape 73"/>
+            <p:cNvSpPr/>
+            <p:nvPr/>
+          </p:nvSpPr>
+          <p:spPr>
+            <a:xfrm>
+              <a:off x="-1" y="387350"/>
+              <a:ext cx="1459262" cy="495301"/>
+            </a:xfrm>
+            <a:prstGeom prst="rect">
+              <a:avLst/>
+            </a:prstGeom>
+            <a:noFill/>
+            <a:ln w="12700" cap="flat">
+              <a:noFill/>
+              <a:miter lim="400000"/>
+            </a:ln>
+            <a:effectLst/>
+            <a:extLst>
+              <a:ext uri="{C572A759-6A51-4108-AA02-DFA0A04FC94B}">
+                <ma14:wrappingTextBoxFlag xmlns:ma14="http://schemas.microsoft.com/office/mac/drawingml/2011/main" val="1"/>
+              </a:ext>
+            </a:extLst>
+          </p:spPr>
+          <p:txBody>
+            <a:bodyPr wrap="square" lIns="50800" tIns="50800" rIns="50800" bIns="50800" numCol="1" anchor="ctr">
+              <a:spAutoFit/>
+            </a:bodyPr>
+            <a:lstStyle>
+              <a:lvl1pPr>
+                <a:defRPr sz="2600">
+                  <a:solidFill>
+                    <a:srgbClr val="FFFFFF"/>
+                  </a:solidFill>
+                </a:defRPr>
+              </a:lvl1pPr>
+            </a:lstStyle>
+            <a:p>
+              <a:pPr lvl="0">
+                <a:defRPr sz="1800">
+                  <a:solidFill>
+                    <a:srgbClr val="000000"/>
+                  </a:solidFill>
+                </a:defRPr>
+              </a:pPr>
+              <a:r>
+                <a:rPr sz="2600">
+                  <a:solidFill>
+                    <a:srgbClr val="FFFFFF"/>
+                  </a:solidFill>
+                </a:rPr>
+                <a:t>JavaApp</a:t>
+              </a:r>
+            </a:p>
+          </p:txBody>
+        </p:sp>
+      </p:grpSp>
+      <p:grpSp>
+        <p:nvGrpSpPr>
+          <p:cNvPr id="77" name="Group 77"/>
+          <p:cNvGrpSpPr/>
           <p:nvPr/>
-        </p:nvSpPr>
-        <p:spPr>
+        </p:nvGrpSpPr>
+        <p:grpSpPr>
           <a:xfrm>
-            <a:off x="4330700" y="5198839"/>
-            <a:ext cx="1270000" cy="1270001"/>
+            <a:off x="4330700" y="5198838"/>
+            <a:ext cx="1270000" cy="1270002"/>
+            <a:chOff x="0" y="0"/>
+            <a:chExt cx="1270000" cy="1270001"/>
           </a:xfrm>
-          <a:prstGeom prst="rect">
-            <a:avLst/>
-          </a:prstGeom>
-          <a:blipFill>
-            <a:blip r:embed="rId2"/>
-          </a:blipFill>
-          <a:ln w="12700">
-            <a:miter lim="400000"/>
-          </a:ln>
-          <a:extLst>
-            <a:ext uri="{C572A759-6A51-4108-AA02-DFA0A04FC94B}">
-              <ma14:wrappingTextBoxFlag xmlns:ma14="http://schemas.microsoft.com/office/mac/drawingml/2011/main" val="1"/>
-            </a:ext>
-          </a:extLst>
-        </p:spPr>
-        <p:txBody>
-          <a:bodyPr lIns="50800" tIns="50800" rIns="50800" bIns="50800" anchor="ctr"/>
-          <a:lstStyle>
-            <a:lvl1pPr>
-              <a:defRPr sz="2600"/>
-            </a:lvl1pPr>
-          </a:lstStyle>
-          <a:p>
-            <a:pPr lvl="0">
-              <a:defRPr sz="1800">
-                <a:solidFill>
-                  <a:srgbClr val="000000"/>
-                </a:solidFill>
-              </a:defRPr>
-            </a:pPr>
-            <a:r>
-              <a:rPr sz="2600">
-                <a:solidFill>
-                  <a:srgbClr val="FFFFFF"/>
-                </a:solidFill>
-              </a:rPr>
-              <a:t>S3</a:t>
-            </a:r>
-          </a:p>
-        </p:txBody>
-      </p:sp>
-      <p:sp>
-        <p:nvSpPr>
-          <p:cNvPr id="73" name="Shape 73"/>
-          <p:cNvSpPr/>
+        </p:grpSpPr>
+        <p:sp>
+          <p:nvSpPr>
+            <p:cNvPr id="75" name="Shape 75"/>
+            <p:cNvSpPr/>
+            <p:nvPr/>
+          </p:nvSpPr>
+          <p:spPr>
+            <a:xfrm>
+              <a:off x="0" y="-1"/>
+              <a:ext cx="1270000" cy="1270003"/>
+            </a:xfrm>
+            <a:prstGeom prst="rect">
+              <a:avLst/>
+            </a:prstGeom>
+            <a:blipFill rotWithShape="1">
+              <a:blip r:embed="rId2"/>
+              <a:srcRect l="0" t="0" r="0" b="0"/>
+              <a:tile tx="0" ty="0" sx="100000" sy="100000" flip="none" algn="tl"/>
+            </a:blipFill>
+            <a:ln w="12700" cap="flat">
+              <a:noFill/>
+              <a:miter lim="400000"/>
+            </a:ln>
+            <a:effectLst/>
+          </p:spPr>
+          <p:txBody>
+            <a:bodyPr wrap="square" lIns="0" tIns="0" rIns="0" bIns="0" numCol="1" anchor="ctr">
+              <a:noAutofit/>
+            </a:bodyPr>
+            <a:lstStyle/>
+            <a:p>
+              <a:pPr lvl="0">
+                <a:defRPr sz="1800"/>
+              </a:pPr>
+            </a:p>
+          </p:txBody>
+        </p:sp>
+        <p:sp>
+          <p:nvSpPr>
+            <p:cNvPr id="76" name="Shape 76"/>
+            <p:cNvSpPr/>
+            <p:nvPr/>
+          </p:nvSpPr>
+          <p:spPr>
+            <a:xfrm>
+              <a:off x="0" y="387350"/>
+              <a:ext cx="1270000" cy="495301"/>
+            </a:xfrm>
+            <a:prstGeom prst="rect">
+              <a:avLst/>
+            </a:prstGeom>
+            <a:noFill/>
+            <a:ln w="12700" cap="flat">
+              <a:noFill/>
+              <a:miter lim="400000"/>
+            </a:ln>
+            <a:effectLst/>
+            <a:extLst>
+              <a:ext uri="{C572A759-6A51-4108-AA02-DFA0A04FC94B}">
+                <ma14:wrappingTextBoxFlag xmlns:ma14="http://schemas.microsoft.com/office/mac/drawingml/2011/main" val="1"/>
+              </a:ext>
+            </a:extLst>
+          </p:spPr>
+          <p:txBody>
+            <a:bodyPr wrap="square" lIns="50800" tIns="50800" rIns="50800" bIns="50800" numCol="1" anchor="ctr">
+              <a:spAutoFit/>
+            </a:bodyPr>
+            <a:lstStyle>
+              <a:lvl1pPr>
+                <a:defRPr sz="2600">
+                  <a:solidFill>
+                    <a:srgbClr val="FFFFFF"/>
+                  </a:solidFill>
+                </a:defRPr>
+              </a:lvl1pPr>
+            </a:lstStyle>
+            <a:p>
+              <a:pPr lvl="0">
+                <a:defRPr sz="1800">
+                  <a:solidFill>
+                    <a:srgbClr val="000000"/>
+                  </a:solidFill>
+                </a:defRPr>
+              </a:pPr>
+              <a:r>
+                <a:rPr sz="2600">
+                  <a:solidFill>
+                    <a:srgbClr val="FFFFFF"/>
+                  </a:solidFill>
+                </a:rPr>
+                <a:t>S3</a:t>
+              </a:r>
+            </a:p>
+          </p:txBody>
+        </p:sp>
+      </p:grpSp>
+      <p:grpSp>
+        <p:nvGrpSpPr>
+          <p:cNvPr id="80" name="Group 80"/>
+          <p:cNvGrpSpPr/>
           <p:nvPr/>
-        </p:nvSpPr>
-        <p:spPr>
+        </p:nvGrpSpPr>
+        <p:grpSpPr>
           <a:xfrm>
-            <a:off x="1608683" y="4699000"/>
-            <a:ext cx="2728665" cy="2269679"/>
+            <a:off x="1608682" y="4699000"/>
+            <a:ext cx="2728667" cy="2269679"/>
+            <a:chOff x="0" y="0"/>
+            <a:chExt cx="2728665" cy="2269678"/>
           </a:xfrm>
-          <a:prstGeom prst="rightArrow">
-            <a:avLst>
-              <a:gd name="adj1" fmla="val 32000"/>
-              <a:gd name="adj2" fmla="val 35811"/>
-            </a:avLst>
-          </a:prstGeom>
-          <a:blipFill>
-            <a:blip r:embed="rId2"/>
-          </a:blipFill>
-          <a:ln w="12700">
-            <a:miter lim="400000"/>
-          </a:ln>
-          <a:extLst>
-            <a:ext uri="{C572A759-6A51-4108-AA02-DFA0A04FC94B}">
-              <ma14:wrappingTextBoxFlag xmlns:ma14="http://schemas.microsoft.com/office/mac/drawingml/2011/main" val="1"/>
-            </a:ext>
-          </a:extLst>
-        </p:spPr>
-        <p:txBody>
-          <a:bodyPr lIns="50800" tIns="50800" rIns="50800" bIns="50800" anchor="ctr"/>
-          <a:lstStyle>
-            <a:lvl1pPr>
-              <a:defRPr sz="2600"/>
-            </a:lvl1pPr>
-          </a:lstStyle>
-          <a:p>
-            <a:pPr lvl="0">
-              <a:defRPr sz="1800">
-                <a:solidFill>
-                  <a:srgbClr val="000000"/>
-                </a:solidFill>
-              </a:defRPr>
-            </a:pPr>
-            <a:r>
-              <a:rPr sz="2600">
-                <a:solidFill>
-                  <a:srgbClr val="FFFFFF"/>
-                </a:solidFill>
-              </a:rPr>
-              <a:t>write review to</a:t>
-            </a:r>
-          </a:p>
-        </p:txBody>
-      </p:sp>
-      <p:sp>
-        <p:nvSpPr>
-          <p:cNvPr id="74" name="Shape 74"/>
-          <p:cNvSpPr/>
+        </p:grpSpPr>
+        <p:sp>
+          <p:nvSpPr>
+            <p:cNvPr id="78" name="Shape 78"/>
+            <p:cNvSpPr/>
+            <p:nvPr/>
+          </p:nvSpPr>
+          <p:spPr>
+            <a:xfrm>
+              <a:off x="0" y="0"/>
+              <a:ext cx="2728666" cy="2269679"/>
+            </a:xfrm>
+            <a:prstGeom prst="rightArrow">
+              <a:avLst>
+                <a:gd name="adj1" fmla="val 32000"/>
+                <a:gd name="adj2" fmla="val 35811"/>
+              </a:avLst>
+            </a:prstGeom>
+            <a:blipFill rotWithShape="1">
+              <a:blip r:embed="rId2"/>
+              <a:srcRect l="0" t="0" r="0" b="0"/>
+              <a:tile tx="0" ty="0" sx="100000" sy="100000" flip="none" algn="tl"/>
+            </a:blipFill>
+            <a:ln w="12700" cap="flat">
+              <a:noFill/>
+              <a:miter lim="400000"/>
+            </a:ln>
+            <a:effectLst/>
+          </p:spPr>
+          <p:txBody>
+            <a:bodyPr wrap="square" lIns="0" tIns="0" rIns="0" bIns="0" numCol="1" anchor="ctr">
+              <a:noAutofit/>
+            </a:bodyPr>
+            <a:lstStyle/>
+            <a:p>
+              <a:pPr lvl="0">
+                <a:defRPr sz="1800"/>
+              </a:pPr>
+            </a:p>
+          </p:txBody>
+        </p:sp>
+        <p:sp>
+          <p:nvSpPr>
+            <p:cNvPr id="79" name="Shape 79"/>
+            <p:cNvSpPr/>
+            <p:nvPr/>
+          </p:nvSpPr>
+          <p:spPr>
+            <a:xfrm>
+              <a:off x="-1" y="887189"/>
+              <a:ext cx="2468573" cy="495301"/>
+            </a:xfrm>
+            <a:prstGeom prst="rect">
+              <a:avLst/>
+            </a:prstGeom>
+            <a:noFill/>
+            <a:ln w="12700" cap="flat">
+              <a:noFill/>
+              <a:miter lim="400000"/>
+            </a:ln>
+            <a:effectLst/>
+            <a:extLst>
+              <a:ext uri="{C572A759-6A51-4108-AA02-DFA0A04FC94B}">
+                <ma14:wrappingTextBoxFlag xmlns:ma14="http://schemas.microsoft.com/office/mac/drawingml/2011/main" val="1"/>
+              </a:ext>
+            </a:extLst>
+          </p:spPr>
+          <p:txBody>
+            <a:bodyPr wrap="square" lIns="50800" tIns="50800" rIns="50800" bIns="50800" numCol="1" anchor="ctr">
+              <a:spAutoFit/>
+            </a:bodyPr>
+            <a:lstStyle>
+              <a:lvl1pPr>
+                <a:defRPr sz="2600">
+                  <a:solidFill>
+                    <a:srgbClr val="FFFFFF"/>
+                  </a:solidFill>
+                </a:defRPr>
+              </a:lvl1pPr>
+            </a:lstStyle>
+            <a:p>
+              <a:pPr lvl="0">
+                <a:defRPr sz="1800">
+                  <a:solidFill>
+                    <a:srgbClr val="000000"/>
+                  </a:solidFill>
+                </a:defRPr>
+              </a:pPr>
+              <a:r>
+                <a:rPr sz="2600">
+                  <a:solidFill>
+                    <a:srgbClr val="FFFFFF"/>
+                  </a:solidFill>
+                </a:rPr>
+                <a:t>write review to</a:t>
+              </a:r>
+            </a:p>
+          </p:txBody>
+        </p:sp>
+      </p:grpSp>
+      <p:grpSp>
+        <p:nvGrpSpPr>
+          <p:cNvPr id="83" name="Group 83"/>
+          <p:cNvGrpSpPr/>
           <p:nvPr/>
-        </p:nvSpPr>
-        <p:spPr>
+        </p:nvGrpSpPr>
+        <p:grpSpPr>
           <a:xfrm>
             <a:off x="5638800" y="4422626"/>
-            <a:ext cx="3919240" cy="2822427"/>
+            <a:ext cx="3919240" cy="2822428"/>
+            <a:chOff x="0" y="0"/>
+            <a:chExt cx="3919239" cy="2822426"/>
           </a:xfrm>
-          <a:prstGeom prst="leftRightArrow">
-            <a:avLst>
-              <a:gd name="adj1" fmla="val 32000"/>
-              <a:gd name="adj2" fmla="val 19799"/>
-            </a:avLst>
-          </a:prstGeom>
-          <a:blipFill>
-            <a:blip r:embed="rId2"/>
-          </a:blipFill>
-          <a:ln w="12700">
-            <a:miter lim="400000"/>
-          </a:ln>
-          <a:extLst>
-            <a:ext uri="{C572A759-6A51-4108-AA02-DFA0A04FC94B}">
-              <ma14:wrappingTextBoxFlag xmlns:ma14="http://schemas.microsoft.com/office/mac/drawingml/2011/main" val="1"/>
-            </a:ext>
-          </a:extLst>
-        </p:spPr>
-        <p:txBody>
-          <a:bodyPr lIns="50800" tIns="50800" rIns="50800" bIns="50800" anchor="ctr"/>
-          <a:lstStyle/>
-          <a:p>
-            <a:pPr lvl="0">
-              <a:defRPr sz="1800">
-                <a:solidFill>
-                  <a:srgbClr val="000000"/>
-                </a:solidFill>
-              </a:defRPr>
-            </a:pPr>
-            <a:r>
-              <a:rPr sz="2600">
-                <a:solidFill>
-                  <a:srgbClr val="FFFFFF"/>
-                </a:solidFill>
-              </a:rPr>
-              <a:t>S3 stream review</a:t>
-            </a:r>
-            <a:endParaRPr sz="2600">
-              <a:solidFill>
-                <a:srgbClr val="FFFFFF"/>
-              </a:solidFill>
-            </a:endParaRPr>
-          </a:p>
-          <a:p>
-            <a:pPr lvl="0">
-              <a:defRPr sz="1800">
-                <a:solidFill>
-                  <a:srgbClr val="000000"/>
-                </a:solidFill>
-              </a:defRPr>
-            </a:pPr>
-            <a:r>
-              <a:rPr sz="2600">
-                <a:solidFill>
-                  <a:srgbClr val="FFFFFF"/>
-                </a:solidFill>
-              </a:rPr>
-              <a:t>Write back result </a:t>
-            </a:r>
-          </a:p>
-        </p:txBody>
-      </p:sp>
-      <p:sp>
-        <p:nvSpPr>
-          <p:cNvPr id="75" name="Shape 75"/>
-          <p:cNvSpPr/>
+        </p:grpSpPr>
+        <p:sp>
+          <p:nvSpPr>
+            <p:cNvPr id="81" name="Shape 81"/>
+            <p:cNvSpPr/>
+            <p:nvPr/>
+          </p:nvSpPr>
+          <p:spPr>
+            <a:xfrm>
+              <a:off x="0" y="0"/>
+              <a:ext cx="3919240" cy="2822427"/>
+            </a:xfrm>
+            <a:prstGeom prst="leftRightArrow">
+              <a:avLst>
+                <a:gd name="adj1" fmla="val 32000"/>
+                <a:gd name="adj2" fmla="val 19799"/>
+              </a:avLst>
+            </a:prstGeom>
+            <a:blipFill rotWithShape="1">
+              <a:blip r:embed="rId2"/>
+              <a:srcRect l="0" t="0" r="0" b="0"/>
+              <a:tile tx="0" ty="0" sx="100000" sy="100000" flip="none" algn="tl"/>
+            </a:blipFill>
+            <a:ln w="12700" cap="flat">
+              <a:noFill/>
+              <a:miter lim="400000"/>
+            </a:ln>
+            <a:effectLst/>
+          </p:spPr>
+          <p:txBody>
+            <a:bodyPr wrap="square" lIns="0" tIns="0" rIns="0" bIns="0" numCol="1" anchor="ctr">
+              <a:noAutofit/>
+            </a:bodyPr>
+            <a:lstStyle/>
+            <a:p>
+              <a:pPr lvl="0">
+                <a:defRPr sz="1800"/>
+              </a:pPr>
+            </a:p>
+          </p:txBody>
+        </p:sp>
+        <p:sp>
+          <p:nvSpPr>
+            <p:cNvPr id="82" name="Shape 82"/>
+            <p:cNvSpPr/>
+            <p:nvPr/>
+          </p:nvSpPr>
+          <p:spPr>
+            <a:xfrm>
+              <a:off x="178820" y="966713"/>
+              <a:ext cx="3561599" cy="889001"/>
+            </a:xfrm>
+            <a:prstGeom prst="rect">
+              <a:avLst/>
+            </a:prstGeom>
+            <a:noFill/>
+            <a:ln w="12700" cap="flat">
+              <a:noFill/>
+              <a:miter lim="400000"/>
+            </a:ln>
+            <a:effectLst/>
+            <a:extLst>
+              <a:ext uri="{C572A759-6A51-4108-AA02-DFA0A04FC94B}">
+                <ma14:wrappingTextBoxFlag xmlns:ma14="http://schemas.microsoft.com/office/mac/drawingml/2011/main" val="1"/>
+              </a:ext>
+            </a:extLst>
+          </p:spPr>
+          <p:txBody>
+            <a:bodyPr wrap="square" lIns="50800" tIns="50800" rIns="50800" bIns="50800" numCol="1" anchor="ctr">
+              <a:spAutoFit/>
+            </a:bodyPr>
+            <a:lstStyle/>
+            <a:p>
+              <a:pPr lvl="0">
+                <a:defRPr sz="1800"/>
+              </a:pPr>
+              <a:r>
+                <a:rPr sz="2600">
+                  <a:solidFill>
+                    <a:srgbClr val="FFFFFF"/>
+                  </a:solidFill>
+                </a:rPr>
+                <a:t>S3 stream review</a:t>
+              </a:r>
+              <a:endParaRPr sz="2600">
+                <a:solidFill>
+                  <a:srgbClr val="FFFFFF"/>
+                </a:solidFill>
+              </a:endParaRPr>
+            </a:p>
+            <a:p>
+              <a:pPr lvl="0">
+                <a:defRPr sz="1800"/>
+              </a:pPr>
+              <a:r>
+                <a:rPr sz="2600">
+                  <a:solidFill>
+                    <a:srgbClr val="FFFFFF"/>
+                  </a:solidFill>
+                </a:rPr>
+                <a:t>Write back result </a:t>
+              </a:r>
+            </a:p>
+          </p:txBody>
+        </p:sp>
+      </p:grpSp>
+      <p:grpSp>
+        <p:nvGrpSpPr>
+          <p:cNvPr id="86" name="Group 86"/>
+          <p:cNvGrpSpPr/>
           <p:nvPr/>
-        </p:nvSpPr>
-        <p:spPr>
+        </p:nvGrpSpPr>
+        <p:grpSpPr>
           <a:xfrm>
-            <a:off x="9596139" y="4841403"/>
+            <a:off x="9596139" y="4841402"/>
             <a:ext cx="1962895" cy="1785294"/>
+            <a:chOff x="0" y="0"/>
+            <a:chExt cx="1962893" cy="1785292"/>
           </a:xfrm>
-          <a:prstGeom prst="rect">
-            <a:avLst/>
-          </a:prstGeom>
-          <a:blipFill>
-            <a:blip r:embed="rId2"/>
-          </a:blipFill>
-          <a:ln w="12700">
-            <a:miter lim="400000"/>
-          </a:ln>
-          <a:extLst>
-            <a:ext uri="{C572A759-6A51-4108-AA02-DFA0A04FC94B}">
-              <ma14:wrappingTextBoxFlag xmlns:ma14="http://schemas.microsoft.com/office/mac/drawingml/2011/main" val="1"/>
-            </a:ext>
-          </a:extLst>
-        </p:spPr>
-        <p:txBody>
-          <a:bodyPr lIns="50800" tIns="50800" rIns="50800" bIns="50800" anchor="ctr"/>
-          <a:lstStyle>
-            <a:lvl1pPr>
-              <a:defRPr sz="2600"/>
-            </a:lvl1pPr>
-          </a:lstStyle>
-          <a:p>
-            <a:pPr lvl="0">
-              <a:defRPr sz="1800">
-                <a:solidFill>
-                  <a:srgbClr val="000000"/>
-                </a:solidFill>
-              </a:defRPr>
-            </a:pPr>
-            <a:r>
-              <a:rPr sz="2600">
-                <a:solidFill>
-                  <a:srgbClr val="FFFFFF"/>
-                </a:solidFill>
-              </a:rPr>
-              <a:t>Spark streaming</a:t>
-            </a:r>
-          </a:p>
-        </p:txBody>
-      </p:sp>
+        </p:grpSpPr>
+        <p:sp>
+          <p:nvSpPr>
+            <p:cNvPr id="84" name="Shape 84"/>
+            <p:cNvSpPr/>
+            <p:nvPr/>
+          </p:nvSpPr>
+          <p:spPr>
+            <a:xfrm>
+              <a:off x="0" y="0"/>
+              <a:ext cx="1962894" cy="1785293"/>
+            </a:xfrm>
+            <a:prstGeom prst="rect">
+              <a:avLst/>
+            </a:prstGeom>
+            <a:blipFill rotWithShape="1">
+              <a:blip r:embed="rId2"/>
+              <a:srcRect l="0" t="0" r="0" b="0"/>
+              <a:tile tx="0" ty="0" sx="100000" sy="100000" flip="none" algn="tl"/>
+            </a:blipFill>
+            <a:ln w="12700" cap="flat">
+              <a:noFill/>
+              <a:miter lim="400000"/>
+            </a:ln>
+            <a:effectLst/>
+          </p:spPr>
+          <p:txBody>
+            <a:bodyPr wrap="square" lIns="0" tIns="0" rIns="0" bIns="0" numCol="1" anchor="ctr">
+              <a:noAutofit/>
+            </a:bodyPr>
+            <a:lstStyle/>
+            <a:p>
+              <a:pPr lvl="0">
+                <a:defRPr sz="1800"/>
+              </a:pPr>
+            </a:p>
+          </p:txBody>
+        </p:sp>
+        <p:sp>
+          <p:nvSpPr>
+            <p:cNvPr id="85" name="Shape 85"/>
+            <p:cNvSpPr/>
+            <p:nvPr/>
+          </p:nvSpPr>
+          <p:spPr>
+            <a:xfrm>
+              <a:off x="0" y="448146"/>
+              <a:ext cx="1962894" cy="889001"/>
+            </a:xfrm>
+            <a:prstGeom prst="rect">
+              <a:avLst/>
+            </a:prstGeom>
+            <a:noFill/>
+            <a:ln w="12700" cap="flat">
+              <a:noFill/>
+              <a:miter lim="400000"/>
+            </a:ln>
+            <a:effectLst/>
+            <a:extLst>
+              <a:ext uri="{C572A759-6A51-4108-AA02-DFA0A04FC94B}">
+                <ma14:wrappingTextBoxFlag xmlns:ma14="http://schemas.microsoft.com/office/mac/drawingml/2011/main" val="1"/>
+              </a:ext>
+            </a:extLst>
+          </p:spPr>
+          <p:txBody>
+            <a:bodyPr wrap="square" lIns="50800" tIns="50800" rIns="50800" bIns="50800" numCol="1" anchor="ctr">
+              <a:spAutoFit/>
+            </a:bodyPr>
+            <a:lstStyle>
+              <a:lvl1pPr>
+                <a:defRPr sz="2600">
+                  <a:solidFill>
+                    <a:srgbClr val="FFFFFF"/>
+                  </a:solidFill>
+                </a:defRPr>
+              </a:lvl1pPr>
+            </a:lstStyle>
+            <a:p>
+              <a:pPr lvl="0">
+                <a:defRPr sz="1800">
+                  <a:solidFill>
+                    <a:srgbClr val="000000"/>
+                  </a:solidFill>
+                </a:defRPr>
+              </a:pPr>
+              <a:r>
+                <a:rPr sz="2600">
+                  <a:solidFill>
+                    <a:srgbClr val="FFFFFF"/>
+                  </a:solidFill>
+                </a:rPr>
+                <a:t>Spark streaming</a:t>
+              </a:r>
+            </a:p>
+          </p:txBody>
+        </p:sp>
+      </p:grpSp>
     </p:spTree>
   </p:cSld>
   <p:clrMapOvr>
@@ -3131,6 +3410,10 @@
           </p:nvPr>
         </p:nvSpPr>
         <p:spPr>
+          <a:xfrm>
+            <a:off x="952500" y="254000"/>
+            <a:ext cx="11099800" cy="2159000"/>
+          </a:xfrm>
           <a:prstGeom prst="rect">
             <a:avLst/>
           </a:prstGeom>
@@ -3166,6 +3449,10 @@
           </p:nvPr>
         </p:nvSpPr>
         <p:spPr>
+          <a:xfrm>
+            <a:off x="952500" y="2590800"/>
+            <a:ext cx="11099800" cy="6286500"/>
+          </a:xfrm>
           <a:prstGeom prst="rect">
             <a:avLst/>
           </a:prstGeom>
@@ -3174,10 +3461,13 @@
           <a:bodyPr/>
           <a:lstStyle/>
           <a:p>
-            <a:pPr lvl="0" marL="342900" indent="-342900" defTabSz="914400">
+            <a:pPr lvl="0" marL="609600" indent="-609600" defTabSz="914400">
               <a:spcBef>
                 <a:spcPts val="700"/>
               </a:spcBef>
+              <a:buClr>
+                <a:srgbClr val="FFFFFF"/>
+              </a:buClr>
               <a:buSzPct val="100000"/>
               <a:buFont typeface="Arial"/>
               <a:defRPr sz="1800">
@@ -3199,9 +3489,6 @@
               <a:t>Sentiment analysis of text is a challenging subject due to complexity of language and human expressions.</a:t>
             </a:r>
             <a:endParaRPr sz="3200">
-              <a:solidFill>
-                <a:srgbClr val="FFFFFF"/>
-              </a:solidFill>
               <a:latin typeface="Calibri"/>
               <a:ea typeface="Calibri"/>
               <a:cs typeface="Calibri"/>
@@ -3209,10 +3496,13 @@
             </a:endParaRPr>
           </a:p>
           <a:p>
-            <a:pPr lvl="0" marL="342900" indent="-342900" defTabSz="914400">
+            <a:pPr lvl="0" marL="609600" indent="-609600" defTabSz="914400">
               <a:spcBef>
                 <a:spcPts val="700"/>
               </a:spcBef>
+              <a:buClr>
+                <a:srgbClr val="FFFFFF"/>
+              </a:buClr>
               <a:buSzPct val="100000"/>
               <a:buFont typeface="Arial"/>
               <a:defRPr sz="1800">
@@ -3234,9 +3524,6 @@
               <a:t>NLP provides a way to make a machine determine the sentiment of  a review based on the text.</a:t>
             </a:r>
             <a:endParaRPr sz="3200">
-              <a:solidFill>
-                <a:srgbClr val="FFFFFF"/>
-              </a:solidFill>
               <a:latin typeface="Calibri"/>
               <a:ea typeface="Calibri"/>
               <a:cs typeface="Calibri"/>
@@ -3244,10 +3531,13 @@
             </a:endParaRPr>
           </a:p>
           <a:p>
-            <a:pPr lvl="0" marL="342900" indent="-342900" defTabSz="914400">
+            <a:pPr lvl="0" marL="609600" indent="-609600" defTabSz="914400">
               <a:spcBef>
                 <a:spcPts val="700"/>
               </a:spcBef>
+              <a:buClr>
+                <a:srgbClr val="FFFFFF"/>
+              </a:buClr>
               <a:buSzPct val="100000"/>
               <a:buFont typeface="Arial"/>
               <a:defRPr sz="1800">
@@ -3306,6 +3596,10 @@
           </p:nvPr>
         </p:nvSpPr>
         <p:spPr>
+          <a:xfrm>
+            <a:off x="952500" y="254000"/>
+            <a:ext cx="11099800" cy="2159000"/>
+          </a:xfrm>
           <a:prstGeom prst="rect">
             <a:avLst/>
           </a:prstGeom>
@@ -3350,6 +3644,10 @@
           </p:nvPr>
         </p:nvSpPr>
         <p:spPr>
+          <a:xfrm>
+            <a:off x="952500" y="2590800"/>
+            <a:ext cx="11099800" cy="6286500"/>
+          </a:xfrm>
           <a:prstGeom prst="rect">
             <a:avLst/>
           </a:prstGeom>
@@ -3358,7 +3656,10 @@
           <a:bodyPr/>
           <a:lstStyle/>
           <a:p>
-            <a:pPr lvl="0">
+            <a:pPr lvl="0" marL="938388" indent="-938388">
+              <a:buClr>
+                <a:srgbClr val="FFFFFF"/>
+              </a:buClr>
               <a:defRPr sz="1800">
                 <a:solidFill>
                   <a:srgbClr val="000000"/>
@@ -3380,7 +3681,10 @@
             </a:endParaRPr>
           </a:p>
           <a:p>
-            <a:pPr lvl="1">
+            <a:pPr lvl="1" marL="1382888" indent="-938388">
+              <a:buClr>
+                <a:srgbClr val="FFFFFF"/>
+              </a:buClr>
               <a:defRPr sz="1800">
                 <a:solidFill>
                   <a:srgbClr val="000000"/>
@@ -3402,7 +3706,10 @@
             </a:endParaRPr>
           </a:p>
           <a:p>
-            <a:pPr lvl="1">
+            <a:pPr lvl="1" marL="1382888" indent="-938388">
+              <a:buClr>
+                <a:srgbClr val="FFFFFF"/>
+              </a:buClr>
               <a:defRPr sz="1800">
                 <a:solidFill>
                   <a:srgbClr val="000000"/>
@@ -3424,7 +3731,10 @@
             </a:endParaRPr>
           </a:p>
           <a:p>
-            <a:pPr lvl="1">
+            <a:pPr lvl="1" marL="1382888" indent="-938388">
+              <a:buClr>
+                <a:srgbClr val="FFFFFF"/>
+              </a:buClr>
               <a:defRPr sz="1800">
                 <a:solidFill>
                   <a:srgbClr val="000000"/>
@@ -3478,8 +3788,8 @@
         </p:nvSpPr>
         <p:spPr>
           <a:xfrm>
-            <a:off x="952500" y="330646"/>
-            <a:ext cx="11099800" cy="8546654"/>
+            <a:off x="952500" y="330645"/>
+            <a:ext cx="11099800" cy="8546656"/>
           </a:xfrm>
           <a:prstGeom prst="rect">
             <a:avLst/>
@@ -3489,7 +3799,10 @@
           <a:bodyPr anchor="t"/>
           <a:lstStyle/>
           <a:p>
-            <a:pPr lvl="0">
+            <a:pPr lvl="0" marL="938388" indent="-938388">
+              <a:buClr>
+                <a:srgbClr val="FFFFFF"/>
+              </a:buClr>
               <a:defRPr sz="1800">
                 <a:solidFill>
                   <a:srgbClr val="000000"/>
@@ -3512,6 +3825,9 @@
           </a:p>
           <a:p>
             <a:pPr lvl="0">
+              <a:buClr>
+                <a:srgbClr val="FFFFFF"/>
+              </a:buClr>
               <a:defRPr sz="1800">
                 <a:solidFill>
                   <a:srgbClr val="000000"/>
@@ -3526,6 +3842,9 @@
           </a:p>
           <a:p>
             <a:pPr lvl="0">
+              <a:buClr>
+                <a:srgbClr val="FFFFFF"/>
+              </a:buClr>
               <a:defRPr sz="1800">
                 <a:solidFill>
                   <a:srgbClr val="000000"/>
@@ -3540,6 +3859,9 @@
           </a:p>
           <a:p>
             <a:pPr lvl="0">
+              <a:buClr>
+                <a:srgbClr val="FFFFFF"/>
+              </a:buClr>
               <a:defRPr sz="1800">
                 <a:solidFill>
                   <a:srgbClr val="000000"/>
@@ -3553,7 +3875,10 @@
             </a:endParaRPr>
           </a:p>
           <a:p>
-            <a:pPr lvl="0">
+            <a:pPr lvl="0" marL="938388" indent="-938388">
+              <a:buClr>
+                <a:srgbClr val="FFFFFF"/>
+              </a:buClr>
               <a:defRPr sz="1800">
                 <a:solidFill>
                   <a:srgbClr val="000000"/>
@@ -3579,15 +3904,15 @@
         </p:nvGrpSpPr>
         <p:grpSpPr>
           <a:xfrm>
-            <a:off x="1103925" y="1199913"/>
-            <a:ext cx="11099801" cy="3477893"/>
-            <a:chOff x="-139700" y="-165100"/>
-            <a:chExt cx="11099800" cy="3477891"/>
+            <a:off x="1103924" y="1199913"/>
+            <a:ext cx="11099803" cy="3477895"/>
+            <a:chOff x="0" y="0"/>
+            <a:chExt cx="11099801" cy="3477893"/>
           </a:xfrm>
         </p:grpSpPr>
         <p:pic>
           <p:nvPicPr>
-            <p:cNvPr id="43" name="plot from API (7).png"/>
+            <p:cNvPr id="42" name="image2.png"/>
             <p:cNvPicPr/>
             <p:nvPr/>
           </p:nvPicPr>
@@ -3601,21 +3926,22 @@
           </p:blipFill>
           <p:spPr>
             <a:xfrm>
-              <a:off x="0" y="0"/>
-              <a:ext cx="10820400" cy="3147692"/>
+              <a:off x="139700" y="165100"/>
+              <a:ext cx="10820401" cy="3147694"/>
             </a:xfrm>
             <a:prstGeom prst="rect">
               <a:avLst/>
             </a:prstGeom>
-            <a:ln>
+            <a:ln w="12700" cap="flat">
               <a:noFill/>
+              <a:miter lim="400000"/>
             </a:ln>
             <a:effectLst/>
           </p:spPr>
         </p:pic>
         <p:pic>
           <p:nvPicPr>
-            <p:cNvPr id="42" name=""/>
+            <p:cNvPr id="43" name="image3.png"/>
             <p:cNvPicPr/>
             <p:nvPr/>
           </p:nvPicPr>
@@ -3629,19 +3955,23 @@
           </p:blipFill>
           <p:spPr>
             <a:xfrm>
-              <a:off x="-139700" y="-165100"/>
-              <a:ext cx="11099800" cy="3477892"/>
+              <a:off x="-1" y="0"/>
+              <a:ext cx="11099803" cy="3477895"/>
             </a:xfrm>
             <a:prstGeom prst="rect">
               <a:avLst/>
             </a:prstGeom>
+            <a:ln w="12700" cap="flat">
+              <a:noFill/>
+              <a:miter lim="400000"/>
+            </a:ln>
             <a:effectLst/>
           </p:spPr>
         </p:pic>
       </p:grpSp>
       <p:pic>
         <p:nvPicPr>
-          <p:cNvPr id="45" name="nltk-stopwords.png"/>
+          <p:cNvPr id="45" name="image4.png"/>
           <p:cNvPicPr/>
           <p:nvPr/>
         </p:nvPicPr>
@@ -3655,8 +3985,8 @@
         </p:blipFill>
         <p:spPr>
           <a:xfrm>
-            <a:off x="1103925" y="5568393"/>
-            <a:ext cx="11099801" cy="3103932"/>
+            <a:off x="1103924" y="5568393"/>
+            <a:ext cx="11099802" cy="3103933"/>
           </a:xfrm>
           <a:prstGeom prst="rect">
             <a:avLst/>
@@ -3702,8 +4032,8 @@
         </p:nvSpPr>
         <p:spPr>
           <a:xfrm>
-            <a:off x="952500" y="517078"/>
-            <a:ext cx="11099800" cy="8360222"/>
+            <a:off x="952500" y="517077"/>
+            <a:ext cx="11099800" cy="8360224"/>
           </a:xfrm>
           <a:prstGeom prst="rect">
             <a:avLst/>
@@ -3713,7 +4043,10 @@
           <a:bodyPr anchor="t"/>
           <a:lstStyle/>
           <a:p>
-            <a:pPr lvl="0">
+            <a:pPr lvl="0" marL="938388" indent="-938388">
+              <a:buClr>
+                <a:srgbClr val="FFFFFF"/>
+              </a:buClr>
               <a:defRPr sz="1800">
                 <a:solidFill>
                   <a:srgbClr val="000000"/>
@@ -3736,6 +4069,9 @@
           </a:p>
           <a:p>
             <a:pPr lvl="0">
+              <a:buClr>
+                <a:srgbClr val="FFFFFF"/>
+              </a:buClr>
               <a:defRPr sz="1800">
                 <a:solidFill>
                   <a:srgbClr val="000000"/>
@@ -3750,6 +4086,9 @@
           </a:p>
           <a:p>
             <a:pPr lvl="0">
+              <a:buClr>
+                <a:srgbClr val="FFFFFF"/>
+              </a:buClr>
               <a:defRPr sz="1800">
                 <a:solidFill>
                   <a:srgbClr val="000000"/>
@@ -3764,6 +4103,9 @@
           </a:p>
           <a:p>
             <a:pPr lvl="0">
+              <a:buClr>
+                <a:srgbClr val="FFFFFF"/>
+              </a:buClr>
               <a:defRPr sz="1800">
                 <a:solidFill>
                   <a:srgbClr val="000000"/>
@@ -3777,7 +4119,10 @@
             </a:endParaRPr>
           </a:p>
           <a:p>
-            <a:pPr lvl="0">
+            <a:pPr lvl="0" marL="938388" indent="-938388">
+              <a:buClr>
+                <a:srgbClr val="FFFFFF"/>
+              </a:buClr>
               <a:defRPr sz="1800">
                 <a:solidFill>
                   <a:srgbClr val="000000"/>
@@ -3797,7 +4142,7 @@
       </p:sp>
       <p:pic>
         <p:nvPicPr>
-          <p:cNvPr id="48" name="postivereviews.png"/>
+          <p:cNvPr id="48" name="image5.png"/>
           <p:cNvPicPr/>
           <p:nvPr/>
         </p:nvPicPr>
@@ -3811,8 +4156,8 @@
         </p:blipFill>
         <p:spPr>
           <a:xfrm>
-            <a:off x="1193342" y="1268233"/>
-            <a:ext cx="10364712" cy="3748149"/>
+            <a:off x="1193341" y="1268232"/>
+            <a:ext cx="10364714" cy="3748151"/>
           </a:xfrm>
           <a:prstGeom prst="rect">
             <a:avLst/>
@@ -3824,7 +4169,7 @@
       </p:pic>
       <p:pic>
         <p:nvPicPr>
-          <p:cNvPr id="49" name="negativereviews.png"/>
+          <p:cNvPr id="49" name="image6.png"/>
           <p:cNvPicPr/>
           <p:nvPr/>
         </p:nvPicPr>
@@ -3838,8 +4183,8 @@
         </p:blipFill>
         <p:spPr>
           <a:xfrm>
-            <a:off x="1171872" y="5714851"/>
-            <a:ext cx="10407651" cy="3311377"/>
+            <a:off x="1171871" y="5714851"/>
+            <a:ext cx="10407652" cy="3311378"/>
           </a:xfrm>
           <a:prstGeom prst="rect">
             <a:avLst/>
@@ -3884,6 +4229,10 @@
           </p:nvPr>
         </p:nvSpPr>
         <p:spPr>
+          <a:xfrm>
+            <a:off x="952500" y="254000"/>
+            <a:ext cx="11099800" cy="2159000"/>
+          </a:xfrm>
           <a:prstGeom prst="rect">
             <a:avLst/>
           </a:prstGeom>
@@ -3919,6 +4268,10 @@
           </p:nvPr>
         </p:nvSpPr>
         <p:spPr>
+          <a:xfrm>
+            <a:off x="952500" y="2590800"/>
+            <a:ext cx="11099800" cy="6286500"/>
+          </a:xfrm>
           <a:prstGeom prst="rect">
             <a:avLst/>
           </a:prstGeom>
@@ -3927,7 +4280,10 @@
           <a:bodyPr/>
           <a:lstStyle/>
           <a:p>
-            <a:pPr lvl="0">
+            <a:pPr lvl="0" marL="938388" indent="-938388">
+              <a:buClr>
+                <a:srgbClr val="FFFFFF"/>
+              </a:buClr>
               <a:defRPr sz="1800">
                 <a:solidFill>
                   <a:srgbClr val="000000"/>
@@ -3949,7 +4305,10 @@
             </a:endParaRPr>
           </a:p>
           <a:p>
-            <a:pPr lvl="1">
+            <a:pPr lvl="1" marL="1382888" indent="-938388">
+              <a:buClr>
+                <a:srgbClr val="FFFFFF"/>
+              </a:buClr>
               <a:defRPr sz="1800">
                 <a:solidFill>
                   <a:srgbClr val="000000"/>
@@ -3971,7 +4330,10 @@
             </a:endParaRPr>
           </a:p>
           <a:p>
-            <a:pPr lvl="0">
+            <a:pPr lvl="0" marL="938388" indent="-938388">
+              <a:buClr>
+                <a:srgbClr val="FFFFFF"/>
+              </a:buClr>
               <a:defRPr sz="1800">
                 <a:solidFill>
                   <a:srgbClr val="000000"/>
@@ -3993,7 +4355,10 @@
             </a:endParaRPr>
           </a:p>
           <a:p>
-            <a:pPr lvl="1">
+            <a:pPr lvl="1" marL="1382888" indent="-938388">
+              <a:buClr>
+                <a:srgbClr val="FFFFFF"/>
+              </a:buClr>
               <a:defRPr sz="1800">
                 <a:solidFill>
                   <a:srgbClr val="000000"/>
@@ -4046,6 +4411,10 @@
           </p:nvPr>
         </p:nvSpPr>
         <p:spPr>
+          <a:xfrm>
+            <a:off x="952500" y="254000"/>
+            <a:ext cx="11099800" cy="2159000"/>
+          </a:xfrm>
           <a:prstGeom prst="rect">
             <a:avLst/>
           </a:prstGeom>
@@ -4081,6 +4450,10 @@
           </p:nvPr>
         </p:nvSpPr>
         <p:spPr>
+          <a:xfrm>
+            <a:off x="952500" y="2590800"/>
+            <a:ext cx="11099800" cy="6286500"/>
+          </a:xfrm>
           <a:prstGeom prst="rect">
             <a:avLst/>
           </a:prstGeom>
@@ -4089,7 +4462,10 @@
           <a:bodyPr/>
           <a:lstStyle/>
           <a:p>
-            <a:pPr lvl="0">
+            <a:pPr lvl="0" marL="938388" indent="-938388">
+              <a:buClr>
+                <a:srgbClr val="FFFFFF"/>
+              </a:buClr>
               <a:defRPr sz="1800">
                 <a:solidFill>
                   <a:srgbClr val="000000"/>
@@ -4111,7 +4487,10 @@
             </a:endParaRPr>
           </a:p>
           <a:p>
-            <a:pPr lvl="1">
+            <a:pPr lvl="1" marL="1382888" indent="-938388">
+              <a:buClr>
+                <a:srgbClr val="FFFFFF"/>
+              </a:buClr>
               <a:defRPr sz="1800">
                 <a:solidFill>
                   <a:srgbClr val="000000"/>
@@ -4133,7 +4512,10 @@
             </a:endParaRPr>
           </a:p>
           <a:p>
-            <a:pPr lvl="1">
+            <a:pPr lvl="1" marL="1382888" indent="-938388">
+              <a:buClr>
+                <a:srgbClr val="FFFFFF"/>
+              </a:buClr>
               <a:defRPr sz="1800">
                 <a:solidFill>
                   <a:srgbClr val="000000"/>
@@ -4155,7 +4537,10 @@
             </a:endParaRPr>
           </a:p>
           <a:p>
-            <a:pPr lvl="1">
+            <a:pPr lvl="1" marL="1382888" indent="-938388">
+              <a:buClr>
+                <a:srgbClr val="FFFFFF"/>
+              </a:buClr>
               <a:defRPr sz="1800">
                 <a:solidFill>
                   <a:srgbClr val="000000"/>
@@ -4208,6 +4593,10 @@
           </p:nvPr>
         </p:nvSpPr>
         <p:spPr>
+          <a:xfrm>
+            <a:off x="952500" y="254000"/>
+            <a:ext cx="11099800" cy="2159000"/>
+          </a:xfrm>
           <a:prstGeom prst="rect">
             <a:avLst/>
           </a:prstGeom>
@@ -4216,7 +4605,21 @@
           <a:bodyPr/>
           <a:lstStyle/>
           <a:p>
-            <a:pPr lvl="0"/>
+            <a:pPr lvl="0">
+              <a:defRPr sz="1800">
+                <a:solidFill>
+                  <a:srgbClr val="000000"/>
+                </a:solidFill>
+              </a:defRPr>
+            </a:pPr>
+            <a:r>
+              <a:rPr sz="8000">
+                <a:solidFill>
+                  <a:srgbClr val="FFFFFF"/>
+                </a:solidFill>
+              </a:rPr>
+              <a:t>Results</a:t>
+            </a:r>
           </a:p>
         </p:txBody>
       </p:sp>
@@ -4229,6 +4632,10 @@
           </p:nvPr>
         </p:nvSpPr>
         <p:spPr>
+          <a:xfrm>
+            <a:off x="952500" y="2590800"/>
+            <a:ext cx="11099800" cy="6286500"/>
+          </a:xfrm>
           <a:prstGeom prst="rect">
             <a:avLst/>
           </a:prstGeom>
@@ -4241,6 +4648,474 @@
           </a:p>
         </p:txBody>
       </p:sp>
+      <p:graphicFrame>
+        <p:nvGraphicFramePr>
+          <p:cNvPr id="59" name="Table 59"/>
+          <p:cNvGraphicFramePr/>
+          <p:nvPr/>
+        </p:nvGraphicFramePr>
+        <p:xfrm>
+          <a:off x="1783362" y="3213946"/>
+          <a:ext cx="9857112" cy="5635414"/>
+        </p:xfrm>
+        <a:graphic xmlns:a="http://schemas.openxmlformats.org/drawingml/2006/main">
+          <a:graphicData uri="http://schemas.openxmlformats.org/drawingml/2006/table">
+            <a:tbl>
+              <a:tblPr firstCol="1" firstRow="1" lastCol="0" lastRow="0" bandCol="0" bandRow="1" rtl="0">
+                <a:tableStyleId>{4C3C2611-4C71-4FC5-86AE-919BDF0F9419}</a:tableStyleId>
+              </a:tblPr>
+              <a:tblGrid>
+                <a:gridCol w="2236552"/>
+                <a:gridCol w="2888271"/>
+                <a:gridCol w="2606476"/>
+                <a:gridCol w="2125811"/>
+              </a:tblGrid>
+              <a:tr h="1127082">
+                <a:tc>
+                  <a:txBody>
+                    <a:bodyPr/>
+                    <a:lstStyle/>
+                    <a:p>
+                      <a:pPr lvl="0" indent="228600" algn="ctr">
+                        <a:defRPr b="0" i="0" sz="1800">
+                          <a:solidFill>
+                            <a:srgbClr val="000000"/>
+                          </a:solidFill>
+                        </a:defRPr>
+                      </a:pPr>
+                      <a:r>
+                        <a:rPr b="1" i="1">
+                          <a:solidFill>
+                            <a:srgbClr val="FFFFFF"/>
+                          </a:solidFill>
+                        </a:rPr>
+                        <a:t>Algorithm</a:t>
+                      </a:r>
+                    </a:p>
+                  </a:txBody>
+                  <a:tcPr marL="63500" marR="63500" marT="63500" marB="63500" anchor="t" anchorCtr="0" horzOverflow="overflow"/>
+                </a:tc>
+                <a:tc>
+                  <a:txBody>
+                    <a:bodyPr/>
+                    <a:lstStyle/>
+                    <a:p>
+                      <a:pPr lvl="0" indent="228600" algn="ctr">
+                        <a:defRPr sz="1800"/>
+                      </a:pPr>
+                    </a:p>
+                  </a:txBody>
+                  <a:tcPr marL="63500" marR="63500" marT="63500" marB="63500" anchor="t" anchorCtr="0" horzOverflow="overflow"/>
+                </a:tc>
+                <a:tc>
+                  <a:txBody>
+                    <a:bodyPr/>
+                    <a:lstStyle/>
+                    <a:p>
+                      <a:pPr lvl="0" indent="228600" algn="ctr">
+                        <a:defRPr sz="1800"/>
+                      </a:pPr>
+                    </a:p>
+                  </a:txBody>
+                  <a:tcPr marL="63500" marR="63500" marT="63500" marB="63500" anchor="t" anchorCtr="0" horzOverflow="overflow"/>
+                </a:tc>
+                <a:tc>
+                  <a:txBody>
+                    <a:bodyPr/>
+                    <a:lstStyle/>
+                    <a:p>
+                      <a:pPr lvl="0" indent="228600" algn="ctr">
+                        <a:defRPr sz="1800"/>
+                      </a:pPr>
+                    </a:p>
+                  </a:txBody>
+                  <a:tcPr marL="63500" marR="63500" marT="63500" marB="63500" anchor="t" anchorCtr="0" horzOverflow="overflow"/>
+                </a:tc>
+              </a:tr>
+              <a:tr h="1127082">
+                <a:tc>
+                  <a:txBody>
+                    <a:bodyPr/>
+                    <a:lstStyle/>
+                    <a:p>
+                      <a:pPr lvl="0" indent="228600" algn="ctr">
+                        <a:defRPr b="0" i="0" sz="1800">
+                          <a:solidFill>
+                            <a:srgbClr val="000000"/>
+                          </a:solidFill>
+                        </a:defRPr>
+                      </a:pPr>
+                      <a:r>
+                        <a:rPr b="1" i="1">
+                          <a:solidFill>
+                            <a:srgbClr val="FFFFFF"/>
+                          </a:solidFill>
+                        </a:rPr>
+                        <a:t>Logistic Regression</a:t>
+                      </a:r>
+                    </a:p>
+                  </a:txBody>
+                  <a:tcPr marL="63500" marR="63500" marT="63500" marB="63500" anchor="t" anchorCtr="0" horzOverflow="overflow"/>
+                </a:tc>
+                <a:tc>
+                  <a:txBody>
+                    <a:bodyPr/>
+                    <a:lstStyle/>
+                    <a:p>
+                      <a:pPr lvl="0" algn="l" defTabSz="457200">
+                        <a:defRPr b="0" i="0" sz="1800"/>
+                      </a:pPr>
+                      <a:r>
+                        <a:rPr sz="1300">
+                          <a:latin typeface="+mj-lt"/>
+                          <a:ea typeface="+mj-ea"/>
+                          <a:cs typeface="+mj-cs"/>
+                          <a:sym typeface="Helvetica"/>
+                        </a:rPr>
+                        <a:t>areaUnderPR</a:t>
+                      </a:r>
+                      <a:endParaRPr sz="1100">
+                        <a:latin typeface="Menlo Regular"/>
+                        <a:ea typeface="Menlo Regular"/>
+                        <a:cs typeface="Menlo Regular"/>
+                        <a:sym typeface="Menlo Regular"/>
+                      </a:endParaRPr>
+                    </a:p>
+                    <a:p>
+                      <a:pPr lvl="0" algn="l" defTabSz="457200">
+                        <a:defRPr b="0" i="0" sz="1800"/>
+                      </a:pPr>
+                      <a:r>
+                        <a:rPr sz="1100">
+                          <a:latin typeface="Menlo Regular"/>
+                          <a:ea typeface="Menlo Regular"/>
+                          <a:cs typeface="Menlo Regular"/>
+                          <a:sym typeface="Menlo Regular"/>
+                        </a:rPr>
+                        <a:t>0.7920658874070523</a:t>
+                      </a:r>
+                      <a:endParaRPr sz="1100">
+                        <a:latin typeface="Menlo Regular"/>
+                        <a:ea typeface="Menlo Regular"/>
+                        <a:cs typeface="Menlo Regular"/>
+                        <a:sym typeface="Menlo Regular"/>
+                      </a:endParaRPr>
+                    </a:p>
+                  </a:txBody>
+                  <a:tcPr marL="63500" marR="63500" marT="63500" marB="63500" anchor="t" anchorCtr="0" horzOverflow="overflow"/>
+                </a:tc>
+                <a:tc>
+                  <a:txBody>
+                    <a:bodyPr/>
+                    <a:lstStyle/>
+                    <a:p>
+                      <a:pPr lvl="0" algn="l" defTabSz="457200">
+                        <a:defRPr b="0" i="0" sz="1800"/>
+                      </a:pPr>
+                      <a:r>
+                        <a:rPr sz="1100">
+                          <a:latin typeface="Menlo Regular"/>
+                          <a:ea typeface="Menlo Regular"/>
+                          <a:cs typeface="Menlo Regular"/>
+                          <a:sym typeface="Menlo Regular"/>
+                        </a:rPr>
+                        <a:t>Area under ROC
+0.8061931789957208
+</a:t>
+                      </a:r>
+                    </a:p>
+                  </a:txBody>
+                  <a:tcPr marL="63500" marR="63500" marT="63500" marB="63500" anchor="t" anchorCtr="0" horzOverflow="overflow"/>
+                </a:tc>
+                <a:tc>
+                  <a:txBody>
+                    <a:bodyPr/>
+                    <a:lstStyle/>
+                    <a:p>
+                      <a:pPr lvl="0" algn="l" defTabSz="457200">
+                        <a:defRPr b="0" i="0" sz="1800"/>
+                      </a:pPr>
+                      <a:r>
+                        <a:rPr sz="1100">
+                          <a:latin typeface="Menlo Regular"/>
+                          <a:ea typeface="Menlo Regular"/>
+                          <a:cs typeface="Menlo Regular"/>
+                          <a:sym typeface="Menlo Regular"/>
+                        </a:rPr>
+                        <a:t>training error:
+0.26133306765
+</a:t>
+                      </a:r>
+                    </a:p>
+                  </a:txBody>
+                  <a:tcPr marL="63500" marR="63500" marT="63500" marB="63500" anchor="t" anchorCtr="0" horzOverflow="overflow"/>
+                </a:tc>
+              </a:tr>
+              <a:tr h="1127082">
+                <a:tc>
+                  <a:txBody>
+                    <a:bodyPr/>
+                    <a:lstStyle/>
+                    <a:p>
+                      <a:pPr lvl="0" indent="228600" algn="ctr">
+                        <a:defRPr b="0" i="0" sz="1800">
+                          <a:solidFill>
+                            <a:srgbClr val="000000"/>
+                          </a:solidFill>
+                        </a:defRPr>
+                      </a:pPr>
+                      <a:r>
+                        <a:rPr b="1" i="1">
+                          <a:solidFill>
+                            <a:srgbClr val="FFFFFF"/>
+                          </a:solidFill>
+                        </a:rPr>
+                        <a:t>Naive Bayes</a:t>
+                      </a:r>
+                    </a:p>
+                  </a:txBody>
+                  <a:tcPr marL="63500" marR="63500" marT="63500" marB="63500" anchor="t" anchorCtr="0" horzOverflow="overflow"/>
+                </a:tc>
+                <a:tc>
+                  <a:txBody>
+                    <a:bodyPr/>
+                    <a:lstStyle/>
+                    <a:p>
+                      <a:pPr lvl="0" algn="l">
+                        <a:defRPr b="0" i="0" sz="1800"/>
+                      </a:pPr>
+                      <a:r>
+                        <a:rPr sz="1100">
+                          <a:latin typeface="Menlo Regular"/>
+                          <a:ea typeface="Menlo Regular"/>
+                          <a:cs typeface="Menlo Regular"/>
+                          <a:sym typeface="Menlo Regular"/>
+                        </a:rPr>
+                        <a:t>accuracy
+72</a:t>
+                      </a:r>
+                    </a:p>
+                  </a:txBody>
+                  <a:tcPr marL="63500" marR="63500" marT="63500" marB="63500" anchor="t" anchorCtr="0" horzOverflow="overflow"/>
+                </a:tc>
+                <a:tc>
+                  <a:txBody>
+                    <a:bodyPr/>
+                    <a:lstStyle/>
+                    <a:p>
+                      <a:pPr lvl="0" algn="l">
+                        <a:defRPr b="0" i="0" sz="1800"/>
+                      </a:pPr>
+                      <a:r>
+                        <a:rPr sz="1100">
+                          <a:latin typeface="Menlo Regular"/>
+                          <a:ea typeface="Menlo Regular"/>
+                          <a:cs typeface="Menlo Regular"/>
+                          <a:sym typeface="Menlo Regular"/>
+                        </a:rPr>
+                        <a:t>recall 
+71.5</a:t>
+                      </a:r>
+                    </a:p>
+                  </a:txBody>
+                  <a:tcPr marL="63500" marR="63500" marT="63500" marB="63500" anchor="t" anchorCtr="0" horzOverflow="overflow"/>
+                </a:tc>
+                <a:tc>
+                  <a:txBody>
+                    <a:bodyPr/>
+                    <a:lstStyle/>
+                    <a:p>
+                      <a:pPr lvl="0" algn="l" defTabSz="457200">
+                        <a:defRPr b="0" i="0" sz="1800"/>
+                      </a:pPr>
+                      <a:r>
+                        <a:rPr sz="1100">
+                          <a:latin typeface="Menlo Regular"/>
+                          <a:ea typeface="Menlo Regular"/>
+                          <a:cs typeface="Menlo Regular"/>
+                          <a:sym typeface="Menlo Regular"/>
+                        </a:rPr>
+                        <a:t>precision
+72.05</a:t>
+                      </a:r>
+                    </a:p>
+                  </a:txBody>
+                  <a:tcPr marL="63500" marR="63500" marT="63500" marB="63500" anchor="t" anchorCtr="0" horzOverflow="overflow"/>
+                </a:tc>
+              </a:tr>
+              <a:tr h="1127082">
+                <a:tc>
+                  <a:txBody>
+                    <a:bodyPr/>
+                    <a:lstStyle/>
+                    <a:p>
+                      <a:pPr lvl="0" indent="228600" algn="ctr">
+                        <a:defRPr sz="1800"/>
+                      </a:pPr>
+                    </a:p>
+                  </a:txBody>
+                  <a:tcPr marL="63500" marR="63500" marT="63500" marB="63500" anchor="t" anchorCtr="0" horzOverflow="overflow"/>
+                </a:tc>
+                <a:tc>
+                  <a:txBody>
+                    <a:bodyPr/>
+                    <a:lstStyle/>
+                    <a:p>
+                      <a:pPr lvl="0" indent="228600" algn="ctr">
+                        <a:defRPr sz="1800"/>
+                      </a:pPr>
+                    </a:p>
+                  </a:txBody>
+                  <a:tcPr marL="63500" marR="63500" marT="63500" marB="63500" anchor="t" anchorCtr="0" horzOverflow="overflow"/>
+                </a:tc>
+                <a:tc>
+                  <a:txBody>
+                    <a:bodyPr/>
+                    <a:lstStyle/>
+                    <a:p>
+                      <a:pPr lvl="0" indent="228600" algn="ctr">
+                        <a:defRPr sz="1800"/>
+                      </a:pPr>
+                    </a:p>
+                  </a:txBody>
+                  <a:tcPr marL="63500" marR="63500" marT="63500" marB="63500" anchor="t" anchorCtr="0" horzOverflow="overflow"/>
+                </a:tc>
+                <a:tc>
+                  <a:txBody>
+                    <a:bodyPr/>
+                    <a:lstStyle/>
+                    <a:p>
+                      <a:pPr lvl="0" indent="228600" algn="ctr">
+                        <a:defRPr sz="1800"/>
+                      </a:pPr>
+                    </a:p>
+                  </a:txBody>
+                  <a:tcPr marL="63500" marR="63500" marT="63500" marB="63500" anchor="t" anchorCtr="0" horzOverflow="overflow"/>
+                </a:tc>
+              </a:tr>
+              <a:tr h="1127082">
+                <a:tc>
+                  <a:txBody>
+                    <a:bodyPr/>
+                    <a:lstStyle/>
+                    <a:p>
+                      <a:pPr lvl="0" indent="228600" algn="ctr">
+                        <a:defRPr b="0" i="0" sz="1800">
+                          <a:solidFill>
+                            <a:srgbClr val="000000"/>
+                          </a:solidFill>
+                        </a:defRPr>
+                      </a:pPr>
+                      <a:r>
+                        <a:rPr b="1" i="1">
+                          <a:solidFill>
+                            <a:srgbClr val="FFFFFF"/>
+                          </a:solidFill>
+                        </a:rPr>
+                        <a:t>ML-Logistic Regression</a:t>
+                      </a:r>
+                    </a:p>
+                  </a:txBody>
+                  <a:tcPr marL="63500" marR="63500" marT="63500" marB="63500" anchor="t" anchorCtr="0" horzOverflow="overflow"/>
+                </a:tc>
+                <a:tc>
+                  <a:txBody>
+                    <a:bodyPr/>
+                    <a:lstStyle/>
+                    <a:p>
+                      <a:pPr lvl="0" algn="l" defTabSz="457200">
+                        <a:defRPr b="0" i="0" sz="1800"/>
+                      </a:pPr>
+                      <a:r>
+                        <a:rPr sz="1300">
+                          <a:latin typeface="+mj-lt"/>
+                          <a:ea typeface="+mj-ea"/>
+                          <a:cs typeface="+mj-cs"/>
+                          <a:sym typeface="Helvetica"/>
+                        </a:rPr>
+                        <a:t>areaUnderPR</a:t>
+                      </a:r>
+                      <a:endParaRPr sz="1300">
+                        <a:latin typeface="+mj-lt"/>
+                        <a:ea typeface="+mj-ea"/>
+                        <a:cs typeface="+mj-cs"/>
+                        <a:sym typeface="Helvetica"/>
+                      </a:endParaRPr>
+                    </a:p>
+                    <a:p>
+                      <a:pPr lvl="0" algn="l" defTabSz="457200">
+                        <a:defRPr b="0" i="0" sz="1800"/>
+                      </a:pPr>
+                      <a:r>
+                        <a:rPr sz="1100">
+                          <a:latin typeface="Menlo Regular"/>
+                          <a:ea typeface="Menlo Regular"/>
+                          <a:cs typeface="Menlo Regular"/>
+                          <a:sym typeface="Menlo Regular"/>
+                        </a:rPr>
+                        <a:t>0.8065552181670259</a:t>
+                      </a:r>
+                      <a:endParaRPr sz="1100">
+                        <a:latin typeface="Menlo Regular"/>
+                        <a:ea typeface="Menlo Regular"/>
+                        <a:cs typeface="Menlo Regular"/>
+                        <a:sym typeface="Menlo Regular"/>
+                      </a:endParaRPr>
+                    </a:p>
+                  </a:txBody>
+                  <a:tcPr marL="63500" marR="63500" marT="63500" marB="63500" anchor="t" anchorCtr="0" horzOverflow="overflow"/>
+                </a:tc>
+                <a:tc>
+                  <a:txBody>
+                    <a:bodyPr/>
+                    <a:lstStyle/>
+                    <a:p>
+                      <a:pPr lvl="0" algn="l" defTabSz="457200">
+                        <a:defRPr b="0" i="0" sz="1800"/>
+                      </a:pPr>
+                      <a:r>
+                        <a:rPr sz="1100">
+                          <a:latin typeface="Menlo Regular"/>
+                          <a:ea typeface="Menlo Regular"/>
+                          <a:cs typeface="Menlo Regular"/>
+                          <a:sym typeface="Menlo Regular"/>
+                        </a:rPr>
+                        <a:t>Area under ROC
+0.8275891274493837
+</a:t>
+                      </a:r>
+                    </a:p>
+                  </a:txBody>
+                  <a:tcPr marL="63500" marR="63500" marT="63500" marB="63500" anchor="t" anchorCtr="0" horzOverflow="overflow"/>
+                </a:tc>
+                <a:tc>
+                  <a:txBody>
+                    <a:bodyPr/>
+                    <a:lstStyle/>
+                    <a:p>
+                      <a:pPr lvl="0" algn="l" defTabSz="457200">
+                        <a:defRPr b="0" i="0" sz="1800"/>
+                      </a:pPr>
+                      <a:r>
+                        <a:rPr sz="1100">
+                          <a:latin typeface="Menlo Regular"/>
+                          <a:ea typeface="Menlo Regular"/>
+                          <a:cs typeface="Menlo Regular"/>
+                          <a:sym typeface="Menlo Regular"/>
+                        </a:rPr>
+                        <a:t>training error:
+0.244788029925
+</a:t>
+                      </a:r>
+                    </a:p>
+                  </a:txBody>
+                  <a:tcPr marL="63500" marR="63500" marT="63500" marB="63500" anchor="t" anchorCtr="0" horzOverflow="overflow"/>
+                </a:tc>
+              </a:tr>
+            </a:tbl>
+          </a:graphicData>
+        </a:graphic>
+      </p:graphicFrame>
     </p:spTree>
   </p:cSld>
   <p:clrMapOvr>
@@ -4269,13 +5144,17 @@
       </p:grpSpPr>
       <p:sp>
         <p:nvSpPr>
-          <p:cNvPr id="60" name="Shape 60"/>
+          <p:cNvPr id="61" name="Shape 61"/>
           <p:cNvSpPr/>
           <p:nvPr>
             <p:ph type="title"/>
           </p:nvPr>
         </p:nvSpPr>
         <p:spPr>
+          <a:xfrm>
+            <a:off x="952500" y="254000"/>
+            <a:ext cx="11099800" cy="2159000"/>
+          </a:xfrm>
           <a:prstGeom prst="rect">
             <a:avLst/>
           </a:prstGeom>
@@ -4304,20 +5183,30 @@
       </p:sp>
       <p:sp>
         <p:nvSpPr>
-          <p:cNvPr id="61" name="Shape 61"/>
+          <p:cNvPr id="62" name="Shape 62"/>
           <p:cNvSpPr/>
           <p:nvPr>
             <p:ph type="body" idx="1"/>
           </p:nvPr>
         </p:nvSpPr>
         <p:spPr>
+          <a:xfrm>
+            <a:off x="952500" y="2590800"/>
+            <a:ext cx="11099800" cy="6286500"/>
+          </a:xfrm>
           <a:prstGeom prst="rect">
             <a:avLst/>
           </a:prstGeom>
         </p:spPr>
         <p:txBody>
           <a:bodyPr/>
-          <a:lstStyle/>
+          <a:lstStyle>
+            <a:lvl1pPr marL="938388" indent="-938388">
+              <a:buClr>
+                <a:srgbClr val="FFFFFF"/>
+              </a:buClr>
+            </a:lvl1pPr>
+          </a:lstStyle>
           <a:p>
             <a:pPr lvl="0">
               <a:defRPr sz="1800">
@@ -4334,11 +5223,6 @@
               </a:rPr>
               <a:t>TF-IDF: On pipelining, for logistic regression algorithm with features 300 and 400 and regression parameter value of 0.01,0.1 and 1 improved the auRoC unto 84%</a:t>
             </a:r>
-            <a:endParaRPr sz="3800">
-              <a:solidFill>
-                <a:srgbClr val="FFFFFF"/>
-              </a:solidFill>
-            </a:endParaRPr>
           </a:p>
         </p:txBody>
       </p:sp>
@@ -4352,20 +5236,20 @@
 </file>
 
 <file path=ppt/theme/theme1.xml><?xml version="1.0" encoding="utf-8"?>
-<a:theme xmlns:a="http://schemas.openxmlformats.org/drawingml/2006/main" xmlns:r="http://schemas.openxmlformats.org/officeDocument/2006/relationships" name="Black">
+<a:theme xmlns:a="http://schemas.openxmlformats.org/drawingml/2006/main" xmlns:r="http://schemas.openxmlformats.org/officeDocument/2006/relationships" name="Default">
   <a:themeElements>
-    <a:clrScheme name="Black">
+    <a:clrScheme name="Default">
       <a:dk1>
         <a:srgbClr val="000000"/>
       </a:dk1>
       <a:lt1>
-        <a:srgbClr val="FFFFFF"/>
+        <a:srgbClr val="000000"/>
       </a:lt1>
       <a:dk2>
-        <a:srgbClr val="53585F"/>
+        <a:srgbClr val="A7A7A7"/>
       </a:dk2>
       <a:lt2>
-        <a:srgbClr val="DCDEE0"/>
+        <a:srgbClr val="535353"/>
       </a:lt2>
       <a:accent1>
         <a:srgbClr val="0065C1"/>
@@ -4392,19 +5276,19 @@
         <a:srgbClr val="FF00FF"/>
       </a:folHlink>
     </a:clrScheme>
-    <a:fontScheme name="Black">
+    <a:fontScheme name="Default">
       <a:majorFont>
-        <a:latin typeface="Helvetica Light"/>
-        <a:ea typeface="Helvetica Light"/>
-        <a:cs typeface="Helvetica Light"/>
+        <a:latin typeface="Helvetica"/>
+        <a:ea typeface="Helvetica"/>
+        <a:cs typeface="Helvetica"/>
       </a:majorFont>
       <a:minorFont>
-        <a:latin typeface="Helvetica Light"/>
-        <a:ea typeface="Helvetica Light"/>
-        <a:cs typeface="Helvetica Light"/>
+        <a:latin typeface="Avenir Roman"/>
+        <a:ea typeface="Avenir Roman"/>
+        <a:cs typeface="Avenir Roman"/>
       </a:minorFont>
     </a:fontScheme>
-    <a:fmtScheme name="Black">
+    <a:fmtScheme name="Default">
       <a:fillStyleLst>
         <a:solidFill>
           <a:schemeClr val="phClr"/>
@@ -4541,14 +5425,15 @@
   <a:objectDefaults>
     <a:spDef>
       <a:spPr>
-        <a:blipFill rotWithShape="1">
-          <a:blip r:embed="rId1"/>
-          <a:srcRect l="0" t="0" r="0" b="0"/>
-          <a:tile tx="0" ty="0" sx="100000" sy="100000" flip="none" algn="tl"/>
-        </a:blipFill>
-        <a:ln w="12700" cap="flat">
-          <a:noFill/>
-          <a:miter lim="400000"/>
+        <a:solidFill>
+          <a:srgbClr val="FFFFFF"/>
+        </a:solidFill>
+        <a:ln w="25400" cap="flat">
+          <a:solidFill>
+            <a:srgbClr val="0065C1"/>
+          </a:solidFill>
+          <a:prstDash val="solid"/>
+          <a:bevel/>
         </a:ln>
         <a:effectLst/>
       </a:spPr>
@@ -4571,18 +5456,18 @@
           <a:buFontTx/>
           <a:buNone/>
           <a:tabLst/>
-          <a:defRPr b="0" baseline="0" cap="none" i="0" spc="0" strike="noStrike" sz="2600" u="none" kumimoji="0" normalizeH="0">
+          <a:defRPr b="0" baseline="0" cap="none" i="0" spc="0" strike="noStrike" sz="3600" u="none" kumimoji="0" normalizeH="0">
             <a:ln>
               <a:noFill/>
             </a:ln>
             <a:solidFill>
-              <a:srgbClr val="FFFFFF"/>
+              <a:srgbClr val="000000"/>
             </a:solidFill>
             <a:effectLst/>
             <a:uFillTx/>
-            <a:latin typeface="+mn-lt"/>
-            <a:ea typeface="+mn-ea"/>
-            <a:cs typeface="+mn-cs"/>
+            <a:latin typeface="Helvetica Light"/>
+            <a:ea typeface="Helvetica Light"/>
+            <a:cs typeface="Helvetica Light"/>
             <a:sym typeface="Helvetica Light"/>
           </a:defRPr>
         </a:defPPr>
@@ -4833,10 +5718,10 @@
         <a:noFill/>
         <a:ln w="25400" cap="flat">
           <a:solidFill>
-            <a:srgbClr val="FFFFFF"/>
+            <a:srgbClr val="0065C1"/>
           </a:solidFill>
           <a:prstDash val="solid"/>
-          <a:miter lim="400000"/>
+          <a:bevel/>
         </a:ln>
         <a:effectLst/>
       </a:spPr>
@@ -5145,13 +6030,13 @@
               <a:noFill/>
             </a:ln>
             <a:solidFill>
-              <a:srgbClr val="FFFFFF"/>
+              <a:srgbClr val="000000"/>
             </a:solidFill>
             <a:effectLst/>
             <a:uFillTx/>
-            <a:latin typeface="+mn-lt"/>
-            <a:ea typeface="+mn-ea"/>
-            <a:cs typeface="+mn-cs"/>
+            <a:latin typeface="Helvetica Light"/>
+            <a:ea typeface="Helvetica Light"/>
+            <a:cs typeface="Helvetica Light"/>
             <a:sym typeface="Helvetica Light"/>
           </a:defRPr>
         </a:defPPr>
@@ -5402,9 +6287,9 @@
 </file>
 
 <file path=ppt/theme/theme2.xml><?xml version="1.0" encoding="utf-8"?>
-<a:theme xmlns:a="http://schemas.openxmlformats.org/drawingml/2006/main" xmlns:r="http://schemas.openxmlformats.org/officeDocument/2006/relationships" name="Black">
+<a:theme xmlns:a="http://schemas.openxmlformats.org/drawingml/2006/main" xmlns:r="http://schemas.openxmlformats.org/officeDocument/2006/relationships" name="Default">
   <a:themeElements>
-    <a:clrScheme name="Black">
+    <a:clrScheme name="Default">
       <a:dk1>
         <a:srgbClr val="000000"/>
       </a:dk1>
@@ -5412,10 +6297,10 @@
         <a:srgbClr val="FFFFFF"/>
       </a:lt1>
       <a:dk2>
-        <a:srgbClr val="53585F"/>
+        <a:srgbClr val="A7A7A7"/>
       </a:dk2>
       <a:lt2>
-        <a:srgbClr val="DCDEE0"/>
+        <a:srgbClr val="535353"/>
       </a:lt2>
       <a:accent1>
         <a:srgbClr val="0065C1"/>
@@ -5442,19 +6327,19 @@
         <a:srgbClr val="FF00FF"/>
       </a:folHlink>
     </a:clrScheme>
-    <a:fontScheme name="Black">
+    <a:fontScheme name="Default">
       <a:majorFont>
-        <a:latin typeface="Helvetica Light"/>
-        <a:ea typeface="Helvetica Light"/>
-        <a:cs typeface="Helvetica Light"/>
+        <a:latin typeface="Helvetica"/>
+        <a:ea typeface="Helvetica"/>
+        <a:cs typeface="Helvetica"/>
       </a:majorFont>
       <a:minorFont>
-        <a:latin typeface="Helvetica Light"/>
-        <a:ea typeface="Helvetica Light"/>
-        <a:cs typeface="Helvetica Light"/>
+        <a:latin typeface="Avenir Roman"/>
+        <a:ea typeface="Avenir Roman"/>
+        <a:cs typeface="Avenir Roman"/>
       </a:minorFont>
     </a:fontScheme>
-    <a:fmtScheme name="Black">
+    <a:fmtScheme name="Default">
       <a:fillStyleLst>
         <a:solidFill>
           <a:schemeClr val="phClr"/>
@@ -5591,14 +6476,15 @@
   <a:objectDefaults>
     <a:spDef>
       <a:spPr>
-        <a:blipFill rotWithShape="1">
-          <a:blip r:embed="rId1"/>
-          <a:srcRect l="0" t="0" r="0" b="0"/>
-          <a:tile tx="0" ty="0" sx="100000" sy="100000" flip="none" algn="tl"/>
-        </a:blipFill>
-        <a:ln w="12700" cap="flat">
-          <a:noFill/>
-          <a:miter lim="400000"/>
+        <a:solidFill>
+          <a:srgbClr val="FFFFFF"/>
+        </a:solidFill>
+        <a:ln w="25400" cap="flat">
+          <a:solidFill>
+            <a:srgbClr val="0065C1"/>
+          </a:solidFill>
+          <a:prstDash val="solid"/>
+          <a:bevel/>
         </a:ln>
         <a:effectLst/>
       </a:spPr>
@@ -5621,18 +6507,18 @@
           <a:buFontTx/>
           <a:buNone/>
           <a:tabLst/>
-          <a:defRPr b="0" baseline="0" cap="none" i="0" spc="0" strike="noStrike" sz="2600" u="none" kumimoji="0" normalizeH="0">
+          <a:defRPr b="0" baseline="0" cap="none" i="0" spc="0" strike="noStrike" sz="3600" u="none" kumimoji="0" normalizeH="0">
             <a:ln>
               <a:noFill/>
             </a:ln>
             <a:solidFill>
-              <a:srgbClr val="FFFFFF"/>
+              <a:srgbClr val="000000"/>
             </a:solidFill>
             <a:effectLst/>
             <a:uFillTx/>
-            <a:latin typeface="+mn-lt"/>
-            <a:ea typeface="+mn-ea"/>
-            <a:cs typeface="+mn-cs"/>
+            <a:latin typeface="Helvetica Light"/>
+            <a:ea typeface="Helvetica Light"/>
+            <a:cs typeface="Helvetica Light"/>
             <a:sym typeface="Helvetica Light"/>
           </a:defRPr>
         </a:defPPr>
@@ -5883,10 +6769,10 @@
         <a:noFill/>
         <a:ln w="25400" cap="flat">
           <a:solidFill>
-            <a:srgbClr val="FFFFFF"/>
+            <a:srgbClr val="0065C1"/>
           </a:solidFill>
           <a:prstDash val="solid"/>
-          <a:miter lim="400000"/>
+          <a:bevel/>
         </a:ln>
         <a:effectLst/>
       </a:spPr>
@@ -6195,13 +7081,13 @@
               <a:noFill/>
             </a:ln>
             <a:solidFill>
-              <a:srgbClr val="FFFFFF"/>
+              <a:srgbClr val="000000"/>
             </a:solidFill>
             <a:effectLst/>
             <a:uFillTx/>
-            <a:latin typeface="+mn-lt"/>
-            <a:ea typeface="+mn-ea"/>
-            <a:cs typeface="+mn-cs"/>
+            <a:latin typeface="Helvetica Light"/>
+            <a:ea typeface="Helvetica Light"/>
+            <a:cs typeface="Helvetica Light"/>
             <a:sym typeface="Helvetica Light"/>
           </a:defRPr>
         </a:defPPr>
